--- a/отчет и презентация/Презентация.pptx
+++ b/отчет и презентация/Презентация.pptx
@@ -2,12 +2,21 @@
 <file path=ppt/presentation.xml><?xml version="1.0" encoding="utf-8"?>
 <p:presentation xmlns:a="http://schemas.openxmlformats.org/drawingml/2006/main" xmlns:r="http://schemas.openxmlformats.org/officeDocument/2006/relationships" xmlns:p="http://schemas.openxmlformats.org/presentationml/2006/main" saveSubsetFonts="1">
   <p:sldMasterIdLst>
-    <p:sldMasterId id="2147483648" r:id="rId1"/>
+    <p:sldMasterId id="2147484176" r:id="rId1"/>
   </p:sldMasterIdLst>
+  <p:notesMasterIdLst>
+    <p:notesMasterId r:id="rId9"/>
+  </p:notesMasterIdLst>
   <p:sldIdLst>
     <p:sldId id="256" r:id="rId2"/>
+    <p:sldId id="257" r:id="rId3"/>
+    <p:sldId id="260" r:id="rId4"/>
+    <p:sldId id="259" r:id="rId5"/>
+    <p:sldId id="264" r:id="rId6"/>
+    <p:sldId id="294" r:id="rId7"/>
+    <p:sldId id="276" r:id="rId8"/>
   </p:sldIdLst>
-  <p:sldSz cx="12192000" cy="6858000"/>
+  <p:sldSz cx="9144000" cy="6858000" type="screen4x3"/>
   <p:notesSz cx="6858000" cy="9144000"/>
   <p:defaultTextStyle>
     <a:defPPr>
@@ -104,7 +113,453 @@
       </a:defRPr>
     </a:lvl9pPr>
   </p:defaultTextStyle>
+  <p:extLst>
+    <p:ext uri="{EFAFB233-063F-42B5-8137-9DF3F51BA10A}">
+      <p15:sldGuideLst xmlns:p15="http://schemas.microsoft.com/office/powerpoint/2012/main">
+        <p15:guide id="1" orient="horz" pos="2160">
+          <p15:clr>
+            <a:srgbClr val="A4A3A4"/>
+          </p15:clr>
+        </p15:guide>
+        <p15:guide id="2" pos="2880">
+          <p15:clr>
+            <a:srgbClr val="A4A3A4"/>
+          </p15:clr>
+        </p15:guide>
+      </p15:sldGuideLst>
+    </p:ext>
+  </p:extLst>
 </p:presentation>
+</file>
+
+<file path=ppt/notesMasters/notesMaster1.xml><?xml version="1.0" encoding="utf-8"?>
+<p:notesMaster xmlns:a="http://schemas.openxmlformats.org/drawingml/2006/main" xmlns:r="http://schemas.openxmlformats.org/officeDocument/2006/relationships" xmlns:p="http://schemas.openxmlformats.org/presentationml/2006/main">
+  <p:cSld>
+    <p:bg>
+      <p:bgRef idx="1001">
+        <a:schemeClr val="bg1"/>
+      </p:bgRef>
+    </p:bg>
+    <p:spTree>
+      <p:nvGrpSpPr>
+        <p:cNvPr id="1" name=""/>
+        <p:cNvGrpSpPr/>
+        <p:nvPr/>
+      </p:nvGrpSpPr>
+      <p:grpSpPr>
+        <a:xfrm>
+          <a:off x="0" y="0"/>
+          <a:ext cx="0" cy="0"/>
+          <a:chOff x="0" y="0"/>
+          <a:chExt cx="0" cy="0"/>
+        </a:xfrm>
+      </p:grpSpPr>
+      <p:sp>
+        <p:nvSpPr>
+          <p:cNvPr id="2" name="Верхний колонтитул 1"/>
+          <p:cNvSpPr>
+            <a:spLocks noGrp="1"/>
+          </p:cNvSpPr>
+          <p:nvPr>
+            <p:ph type="hdr" sz="quarter"/>
+          </p:nvPr>
+        </p:nvSpPr>
+        <p:spPr>
+          <a:xfrm>
+            <a:off x="0" y="0"/>
+            <a:ext cx="2971800" cy="457200"/>
+          </a:xfrm>
+          <a:prstGeom prst="rect">
+            <a:avLst/>
+          </a:prstGeom>
+        </p:spPr>
+        <p:txBody>
+          <a:bodyPr vert="horz" lIns="91440" tIns="45720" rIns="91440" bIns="45720" rtlCol="0"/>
+          <a:lstStyle>
+            <a:lvl1pPr algn="l">
+              <a:defRPr sz="1200"/>
+            </a:lvl1pPr>
+          </a:lstStyle>
+          <a:p>
+            <a:endParaRPr lang="ru-RU"/>
+          </a:p>
+        </p:txBody>
+      </p:sp>
+      <p:sp>
+        <p:nvSpPr>
+          <p:cNvPr id="3" name="Дата 2"/>
+          <p:cNvSpPr>
+            <a:spLocks noGrp="1"/>
+          </p:cNvSpPr>
+          <p:nvPr>
+            <p:ph type="dt" idx="1"/>
+          </p:nvPr>
+        </p:nvSpPr>
+        <p:spPr>
+          <a:xfrm>
+            <a:off x="3884613" y="0"/>
+            <a:ext cx="2971800" cy="457200"/>
+          </a:xfrm>
+          <a:prstGeom prst="rect">
+            <a:avLst/>
+          </a:prstGeom>
+        </p:spPr>
+        <p:txBody>
+          <a:bodyPr vert="horz" lIns="91440" tIns="45720" rIns="91440" bIns="45720" rtlCol="0"/>
+          <a:lstStyle>
+            <a:lvl1pPr algn="r">
+              <a:defRPr sz="1200"/>
+            </a:lvl1pPr>
+          </a:lstStyle>
+          <a:p>
+            <a:fld id="{B6F35C6D-D68B-49A6-AB4D-BFDF94617551}" type="datetimeFigureOut">
+              <a:rPr lang="ru-RU" smtClean="0"/>
+              <a:pPr/>
+              <a:t>29.05.2024</a:t>
+            </a:fld>
+            <a:endParaRPr lang="ru-RU"/>
+          </a:p>
+        </p:txBody>
+      </p:sp>
+      <p:sp>
+        <p:nvSpPr>
+          <p:cNvPr id="4" name="Образ слайда 3"/>
+          <p:cNvSpPr>
+            <a:spLocks noGrp="1" noRot="1" noChangeAspect="1"/>
+          </p:cNvSpPr>
+          <p:nvPr>
+            <p:ph type="sldImg" idx="2"/>
+          </p:nvPr>
+        </p:nvSpPr>
+        <p:spPr>
+          <a:xfrm>
+            <a:off x="1143000" y="685800"/>
+            <a:ext cx="4572000" cy="3429000"/>
+          </a:xfrm>
+          <a:prstGeom prst="rect">
+            <a:avLst/>
+          </a:prstGeom>
+          <a:noFill/>
+          <a:ln w="12700">
+            <a:solidFill>
+              <a:prstClr val="black"/>
+            </a:solidFill>
+          </a:ln>
+        </p:spPr>
+        <p:txBody>
+          <a:bodyPr vert="horz" lIns="91440" tIns="45720" rIns="91440" bIns="45720" rtlCol="0" anchor="ctr"/>
+          <a:lstStyle/>
+          <a:p>
+            <a:endParaRPr lang="ru-RU"/>
+          </a:p>
+        </p:txBody>
+      </p:sp>
+      <p:sp>
+        <p:nvSpPr>
+          <p:cNvPr id="5" name="Заметки 4"/>
+          <p:cNvSpPr>
+            <a:spLocks noGrp="1"/>
+          </p:cNvSpPr>
+          <p:nvPr>
+            <p:ph type="body" sz="quarter" idx="3"/>
+          </p:nvPr>
+        </p:nvSpPr>
+        <p:spPr>
+          <a:xfrm>
+            <a:off x="685800" y="4343400"/>
+            <a:ext cx="5486400" cy="4114800"/>
+          </a:xfrm>
+          <a:prstGeom prst="rect">
+            <a:avLst/>
+          </a:prstGeom>
+        </p:spPr>
+        <p:txBody>
+          <a:bodyPr vert="horz" lIns="91440" tIns="45720" rIns="91440" bIns="45720" rtlCol="0">
+            <a:normAutofit/>
+          </a:bodyPr>
+          <a:lstStyle/>
+          <a:p>
+            <a:pPr lvl="0"/>
+            <a:r>
+              <a:rPr lang="ru-RU"/>
+              <a:t>Образец текста</a:t>
+            </a:r>
+          </a:p>
+          <a:p>
+            <a:pPr lvl="1"/>
+            <a:r>
+              <a:rPr lang="ru-RU"/>
+              <a:t>Второй уровень</a:t>
+            </a:r>
+          </a:p>
+          <a:p>
+            <a:pPr lvl="2"/>
+            <a:r>
+              <a:rPr lang="ru-RU"/>
+              <a:t>Третий уровень</a:t>
+            </a:r>
+          </a:p>
+          <a:p>
+            <a:pPr lvl="3"/>
+            <a:r>
+              <a:rPr lang="ru-RU"/>
+              <a:t>Четвертый уровень</a:t>
+            </a:r>
+          </a:p>
+          <a:p>
+            <a:pPr lvl="4"/>
+            <a:r>
+              <a:rPr lang="ru-RU"/>
+              <a:t>Пятый уровень</a:t>
+            </a:r>
+          </a:p>
+        </p:txBody>
+      </p:sp>
+      <p:sp>
+        <p:nvSpPr>
+          <p:cNvPr id="6" name="Нижний колонтитул 5"/>
+          <p:cNvSpPr>
+            <a:spLocks noGrp="1"/>
+          </p:cNvSpPr>
+          <p:nvPr>
+            <p:ph type="ftr" sz="quarter" idx="4"/>
+          </p:nvPr>
+        </p:nvSpPr>
+        <p:spPr>
+          <a:xfrm>
+            <a:off x="0" y="8685213"/>
+            <a:ext cx="2971800" cy="457200"/>
+          </a:xfrm>
+          <a:prstGeom prst="rect">
+            <a:avLst/>
+          </a:prstGeom>
+        </p:spPr>
+        <p:txBody>
+          <a:bodyPr vert="horz" lIns="91440" tIns="45720" rIns="91440" bIns="45720" rtlCol="0" anchor="b"/>
+          <a:lstStyle>
+            <a:lvl1pPr algn="l">
+              <a:defRPr sz="1200"/>
+            </a:lvl1pPr>
+          </a:lstStyle>
+          <a:p>
+            <a:endParaRPr lang="ru-RU"/>
+          </a:p>
+        </p:txBody>
+      </p:sp>
+      <p:sp>
+        <p:nvSpPr>
+          <p:cNvPr id="7" name="Номер слайда 6"/>
+          <p:cNvSpPr>
+            <a:spLocks noGrp="1"/>
+          </p:cNvSpPr>
+          <p:nvPr>
+            <p:ph type="sldNum" sz="quarter" idx="5"/>
+          </p:nvPr>
+        </p:nvSpPr>
+        <p:spPr>
+          <a:xfrm>
+            <a:off x="3884613" y="8685213"/>
+            <a:ext cx="2971800" cy="457200"/>
+          </a:xfrm>
+          <a:prstGeom prst="rect">
+            <a:avLst/>
+          </a:prstGeom>
+        </p:spPr>
+        <p:txBody>
+          <a:bodyPr vert="horz" lIns="91440" tIns="45720" rIns="91440" bIns="45720" rtlCol="0" anchor="b"/>
+          <a:lstStyle>
+            <a:lvl1pPr algn="r">
+              <a:defRPr sz="1200"/>
+            </a:lvl1pPr>
+          </a:lstStyle>
+          <a:p>
+            <a:fld id="{86CB889C-35F6-4CAB-BF43-6594A4001871}" type="slidenum">
+              <a:rPr lang="ru-RU" smtClean="0"/>
+              <a:pPr/>
+              <a:t>‹#›</a:t>
+            </a:fld>
+            <a:endParaRPr lang="ru-RU"/>
+          </a:p>
+        </p:txBody>
+      </p:sp>
+    </p:spTree>
+  </p:cSld>
+  <p:clrMap bg1="lt1" tx1="dk1" bg2="lt2" tx2="dk2" accent1="accent1" accent2="accent2" accent3="accent3" accent4="accent4" accent5="accent5" accent6="accent6" hlink="hlink" folHlink="folHlink"/>
+  <p:notesStyle>
+    <a:lvl1pPr marL="0" algn="l" defTabSz="914400" rtl="0" eaLnBrk="1" latinLnBrk="0" hangingPunct="1">
+      <a:defRPr sz="1200" kern="1200">
+        <a:solidFill>
+          <a:schemeClr val="tx1"/>
+        </a:solidFill>
+        <a:latin typeface="+mn-lt"/>
+        <a:ea typeface="+mn-ea"/>
+        <a:cs typeface="+mn-cs"/>
+      </a:defRPr>
+    </a:lvl1pPr>
+    <a:lvl2pPr marL="457200" algn="l" defTabSz="914400" rtl="0" eaLnBrk="1" latinLnBrk="0" hangingPunct="1">
+      <a:defRPr sz="1200" kern="1200">
+        <a:solidFill>
+          <a:schemeClr val="tx1"/>
+        </a:solidFill>
+        <a:latin typeface="+mn-lt"/>
+        <a:ea typeface="+mn-ea"/>
+        <a:cs typeface="+mn-cs"/>
+      </a:defRPr>
+    </a:lvl2pPr>
+    <a:lvl3pPr marL="914400" algn="l" defTabSz="914400" rtl="0" eaLnBrk="1" latinLnBrk="0" hangingPunct="1">
+      <a:defRPr sz="1200" kern="1200">
+        <a:solidFill>
+          <a:schemeClr val="tx1"/>
+        </a:solidFill>
+        <a:latin typeface="+mn-lt"/>
+        <a:ea typeface="+mn-ea"/>
+        <a:cs typeface="+mn-cs"/>
+      </a:defRPr>
+    </a:lvl3pPr>
+    <a:lvl4pPr marL="1371600" algn="l" defTabSz="914400" rtl="0" eaLnBrk="1" latinLnBrk="0" hangingPunct="1">
+      <a:defRPr sz="1200" kern="1200">
+        <a:solidFill>
+          <a:schemeClr val="tx1"/>
+        </a:solidFill>
+        <a:latin typeface="+mn-lt"/>
+        <a:ea typeface="+mn-ea"/>
+        <a:cs typeface="+mn-cs"/>
+      </a:defRPr>
+    </a:lvl4pPr>
+    <a:lvl5pPr marL="1828800" algn="l" defTabSz="914400" rtl="0" eaLnBrk="1" latinLnBrk="0" hangingPunct="1">
+      <a:defRPr sz="1200" kern="1200">
+        <a:solidFill>
+          <a:schemeClr val="tx1"/>
+        </a:solidFill>
+        <a:latin typeface="+mn-lt"/>
+        <a:ea typeface="+mn-ea"/>
+        <a:cs typeface="+mn-cs"/>
+      </a:defRPr>
+    </a:lvl5pPr>
+    <a:lvl6pPr marL="2286000" algn="l" defTabSz="914400" rtl="0" eaLnBrk="1" latinLnBrk="0" hangingPunct="1">
+      <a:defRPr sz="1200" kern="1200">
+        <a:solidFill>
+          <a:schemeClr val="tx1"/>
+        </a:solidFill>
+        <a:latin typeface="+mn-lt"/>
+        <a:ea typeface="+mn-ea"/>
+        <a:cs typeface="+mn-cs"/>
+      </a:defRPr>
+    </a:lvl6pPr>
+    <a:lvl7pPr marL="2743200" algn="l" defTabSz="914400" rtl="0" eaLnBrk="1" latinLnBrk="0" hangingPunct="1">
+      <a:defRPr sz="1200" kern="1200">
+        <a:solidFill>
+          <a:schemeClr val="tx1"/>
+        </a:solidFill>
+        <a:latin typeface="+mn-lt"/>
+        <a:ea typeface="+mn-ea"/>
+        <a:cs typeface="+mn-cs"/>
+      </a:defRPr>
+    </a:lvl7pPr>
+    <a:lvl8pPr marL="3200400" algn="l" defTabSz="914400" rtl="0" eaLnBrk="1" latinLnBrk="0" hangingPunct="1">
+      <a:defRPr sz="1200" kern="1200">
+        <a:solidFill>
+          <a:schemeClr val="tx1"/>
+        </a:solidFill>
+        <a:latin typeface="+mn-lt"/>
+        <a:ea typeface="+mn-ea"/>
+        <a:cs typeface="+mn-cs"/>
+      </a:defRPr>
+    </a:lvl8pPr>
+    <a:lvl9pPr marL="3657600" algn="l" defTabSz="914400" rtl="0" eaLnBrk="1" latinLnBrk="0" hangingPunct="1">
+      <a:defRPr sz="1200" kern="1200">
+        <a:solidFill>
+          <a:schemeClr val="tx1"/>
+        </a:solidFill>
+        <a:latin typeface="+mn-lt"/>
+        <a:ea typeface="+mn-ea"/>
+        <a:cs typeface="+mn-cs"/>
+      </a:defRPr>
+    </a:lvl9pPr>
+  </p:notesStyle>
+</p:notesMaster>
+</file>
+
+<file path=ppt/notesSlides/notesSlide1.xml><?xml version="1.0" encoding="utf-8"?>
+<p:notes xmlns:a="http://schemas.openxmlformats.org/drawingml/2006/main" xmlns:r="http://schemas.openxmlformats.org/officeDocument/2006/relationships" xmlns:p="http://schemas.openxmlformats.org/presentationml/2006/main">
+  <p:cSld>
+    <p:spTree>
+      <p:nvGrpSpPr>
+        <p:cNvPr id="1" name=""/>
+        <p:cNvGrpSpPr/>
+        <p:nvPr/>
+      </p:nvGrpSpPr>
+      <p:grpSpPr>
+        <a:xfrm>
+          <a:off x="0" y="0"/>
+          <a:ext cx="0" cy="0"/>
+          <a:chOff x="0" y="0"/>
+          <a:chExt cx="0" cy="0"/>
+        </a:xfrm>
+      </p:grpSpPr>
+      <p:sp>
+        <p:nvSpPr>
+          <p:cNvPr id="2" name="Образ слайда 1"/>
+          <p:cNvSpPr>
+            <a:spLocks noGrp="1" noRot="1" noChangeAspect="1"/>
+          </p:cNvSpPr>
+          <p:nvPr>
+            <p:ph type="sldImg"/>
+          </p:nvPr>
+        </p:nvSpPr>
+        <p:spPr/>
+      </p:sp>
+      <p:sp>
+        <p:nvSpPr>
+          <p:cNvPr id="3" name="Заметки 2"/>
+          <p:cNvSpPr>
+            <a:spLocks noGrp="1"/>
+          </p:cNvSpPr>
+          <p:nvPr>
+            <p:ph type="body" idx="1"/>
+          </p:nvPr>
+        </p:nvSpPr>
+        <p:spPr/>
+        <p:txBody>
+          <a:bodyPr>
+            <a:normAutofit/>
+          </a:bodyPr>
+          <a:lstStyle/>
+          <a:p>
+            <a:endParaRPr lang="ru-RU"/>
+          </a:p>
+        </p:txBody>
+      </p:sp>
+      <p:sp>
+        <p:nvSpPr>
+          <p:cNvPr id="4" name="Номер слайда 3"/>
+          <p:cNvSpPr>
+            <a:spLocks noGrp="1"/>
+          </p:cNvSpPr>
+          <p:nvPr>
+            <p:ph type="sldNum" sz="quarter" idx="10"/>
+          </p:nvPr>
+        </p:nvSpPr>
+        <p:spPr/>
+        <p:txBody>
+          <a:bodyPr/>
+          <a:lstStyle/>
+          <a:p>
+            <a:fld id="{86CB889C-35F6-4CAB-BF43-6594A4001871}" type="slidenum">
+              <a:rPr lang="ru-RU" smtClean="0"/>
+              <a:pPr/>
+              <a:t>1</a:t>
+            </a:fld>
+            <a:endParaRPr lang="ru-RU"/>
+          </a:p>
+        </p:txBody>
+      </p:sp>
+    </p:spTree>
+  </p:cSld>
+  <p:clrMapOvr>
+    <a:masterClrMapping/>
+  </p:clrMapOvr>
+</p:notes>
 </file>
 
 <file path=ppt/slideLayouts/slideLayout1.xml><?xml version="1.0" encoding="utf-8"?>
@@ -129,7 +584,7 @@
           <p:cNvPr id="2" name="Заголовок 1">
             <a:extLst>
               <a:ext uri="{FF2B5EF4-FFF2-40B4-BE49-F238E27FC236}">
-                <a16:creationId xmlns:a16="http://schemas.microsoft.com/office/drawing/2014/main" id="{3B69173B-2C8D-27E8-E802-9109F23C5FD2}"/>
+                <a16:creationId xmlns:a16="http://schemas.microsoft.com/office/drawing/2014/main" id="{D459159C-2BCC-B2D9-9929-6FA04975A418}"/>
               </a:ext>
             </a:extLst>
           </p:cNvPr>
@@ -142,15 +597,15 @@
         </p:nvSpPr>
         <p:spPr>
           <a:xfrm>
-            <a:off x="1524000" y="1122363"/>
-            <a:ext cx="9144000" cy="2387600"/>
+            <a:off x="1143000" y="1122363"/>
+            <a:ext cx="6858000" cy="2387600"/>
           </a:xfrm>
         </p:spPr>
         <p:txBody>
           <a:bodyPr anchor="b"/>
           <a:lstStyle>
             <a:lvl1pPr algn="ctr">
-              <a:defRPr sz="6000"/>
+              <a:defRPr sz="4500"/>
             </a:lvl1pPr>
           </a:lstStyle>
           <a:p>
@@ -166,7 +621,7 @@
           <p:cNvPr id="3" name="Подзаголовок 2">
             <a:extLst>
               <a:ext uri="{FF2B5EF4-FFF2-40B4-BE49-F238E27FC236}">
-                <a16:creationId xmlns:a16="http://schemas.microsoft.com/office/drawing/2014/main" id="{52C8E2E9-11C9-C2A4-D93A-B6D266D8BDAB}"/>
+                <a16:creationId xmlns:a16="http://schemas.microsoft.com/office/drawing/2014/main" id="{AE7069F3-A10B-F15B-1F2B-23DF25B64A24}"/>
               </a:ext>
             </a:extLst>
           </p:cNvPr>
@@ -179,8 +634,8 @@
         </p:nvSpPr>
         <p:spPr>
           <a:xfrm>
-            <a:off x="1524000" y="3602038"/>
-            <a:ext cx="9144000" cy="1655762"/>
+            <a:off x="1143000" y="3602038"/>
+            <a:ext cx="6858000" cy="1655762"/>
           </a:xfrm>
         </p:spPr>
         <p:txBody>
@@ -188,39 +643,39 @@
           <a:lstStyle>
             <a:lvl1pPr marL="0" indent="0" algn="ctr">
               <a:buNone/>
-              <a:defRPr sz="2400"/>
+              <a:defRPr sz="1800"/>
             </a:lvl1pPr>
-            <a:lvl2pPr marL="457200" indent="0" algn="ctr">
-              <a:buNone/>
-              <a:defRPr sz="2000"/>
+            <a:lvl2pPr marL="342900" indent="0" algn="ctr">
+              <a:buNone/>
+              <a:defRPr sz="1500"/>
             </a:lvl2pPr>
-            <a:lvl3pPr marL="914400" indent="0" algn="ctr">
-              <a:buNone/>
-              <a:defRPr sz="1800"/>
+            <a:lvl3pPr marL="685800" indent="0" algn="ctr">
+              <a:buNone/>
+              <a:defRPr sz="1350"/>
             </a:lvl3pPr>
-            <a:lvl4pPr marL="1371600" indent="0" algn="ctr">
-              <a:buNone/>
-              <a:defRPr sz="1600"/>
+            <a:lvl4pPr marL="1028700" indent="0" algn="ctr">
+              <a:buNone/>
+              <a:defRPr sz="1200"/>
             </a:lvl4pPr>
-            <a:lvl5pPr marL="1828800" indent="0" algn="ctr">
-              <a:buNone/>
-              <a:defRPr sz="1600"/>
+            <a:lvl5pPr marL="1371600" indent="0" algn="ctr">
+              <a:buNone/>
+              <a:defRPr sz="1200"/>
             </a:lvl5pPr>
-            <a:lvl6pPr marL="2286000" indent="0" algn="ctr">
-              <a:buNone/>
-              <a:defRPr sz="1600"/>
+            <a:lvl6pPr marL="1714500" indent="0" algn="ctr">
+              <a:buNone/>
+              <a:defRPr sz="1200"/>
             </a:lvl6pPr>
-            <a:lvl7pPr marL="2743200" indent="0" algn="ctr">
-              <a:buNone/>
-              <a:defRPr sz="1600"/>
+            <a:lvl7pPr marL="2057400" indent="0" algn="ctr">
+              <a:buNone/>
+              <a:defRPr sz="1200"/>
             </a:lvl7pPr>
-            <a:lvl8pPr marL="3200400" indent="0" algn="ctr">
-              <a:buNone/>
-              <a:defRPr sz="1600"/>
+            <a:lvl8pPr marL="2400300" indent="0" algn="ctr">
+              <a:buNone/>
+              <a:defRPr sz="1200"/>
             </a:lvl8pPr>
-            <a:lvl9pPr marL="3657600" indent="0" algn="ctr">
-              <a:buNone/>
-              <a:defRPr sz="1600"/>
+            <a:lvl9pPr marL="2743200" indent="0" algn="ctr">
+              <a:buNone/>
+              <a:defRPr sz="1200"/>
             </a:lvl9pPr>
           </a:lstStyle>
           <a:p>
@@ -236,7 +691,7 @@
           <p:cNvPr id="4" name="Дата 3">
             <a:extLst>
               <a:ext uri="{FF2B5EF4-FFF2-40B4-BE49-F238E27FC236}">
-                <a16:creationId xmlns:a16="http://schemas.microsoft.com/office/drawing/2014/main" id="{12EDC2B2-1BA7-A70D-7BD9-C12DA7E1694E}"/>
+                <a16:creationId xmlns:a16="http://schemas.microsoft.com/office/drawing/2014/main" id="{EBC3DD59-732F-FA29-3A13-64D770581E5F}"/>
               </a:ext>
             </a:extLst>
           </p:cNvPr>
@@ -252,9 +707,10 @@
           <a:bodyPr/>
           <a:lstStyle/>
           <a:p>
-            <a:fld id="{FD5832C8-61BE-471F-8BE9-D3201559EC12}" type="datetimeFigureOut">
+            <a:fld id="{3E7F9BF2-4990-4211-B093-7B93CBA07C35}" type="datetime1">
               <a:rPr lang="ru-RU" smtClean="0"/>
-              <a:t>28.05.2024</a:t>
+              <a:pPr/>
+              <a:t>29.05.2024</a:t>
             </a:fld>
             <a:endParaRPr lang="ru-RU"/>
           </a:p>
@@ -265,7 +721,7 @@
           <p:cNvPr id="5" name="Нижний колонтитул 4">
             <a:extLst>
               <a:ext uri="{FF2B5EF4-FFF2-40B4-BE49-F238E27FC236}">
-                <a16:creationId xmlns:a16="http://schemas.microsoft.com/office/drawing/2014/main" id="{95BFC960-E665-1130-90BF-0859C1347AD0}"/>
+                <a16:creationId xmlns:a16="http://schemas.microsoft.com/office/drawing/2014/main" id="{690A1E2E-1F01-6FFE-3C62-772AE45C41B7}"/>
               </a:ext>
             </a:extLst>
           </p:cNvPr>
@@ -290,7 +746,7 @@
           <p:cNvPr id="6" name="Номер слайда 5">
             <a:extLst>
               <a:ext uri="{FF2B5EF4-FFF2-40B4-BE49-F238E27FC236}">
-                <a16:creationId xmlns:a16="http://schemas.microsoft.com/office/drawing/2014/main" id="{0936B7CF-26EA-4BD2-4627-D72005C1CA66}"/>
+                <a16:creationId xmlns:a16="http://schemas.microsoft.com/office/drawing/2014/main" id="{0D430715-FA24-64F8-3B6B-3CAA7BEB30BC}"/>
               </a:ext>
             </a:extLst>
           </p:cNvPr>
@@ -306,8 +762,9 @@
           <a:bodyPr/>
           <a:lstStyle/>
           <a:p>
-            <a:fld id="{FDDF6F9C-71FD-4AA0-A594-011AC0626BBB}" type="slidenum">
+            <a:fld id="{26902790-3E08-4FEA-8771-743AE76A9645}" type="slidenum">
               <a:rPr lang="ru-RU" smtClean="0"/>
+              <a:pPr/>
               <a:t>‹#›</a:t>
             </a:fld>
             <a:endParaRPr lang="ru-RU"/>
@@ -317,7 +774,7 @@
     </p:spTree>
     <p:extLst>
       <p:ext uri="{BB962C8B-B14F-4D97-AF65-F5344CB8AC3E}">
-        <p14:creationId xmlns:p14="http://schemas.microsoft.com/office/powerpoint/2010/main" val="2435153644"/>
+        <p14:creationId xmlns:p14="http://schemas.microsoft.com/office/powerpoint/2010/main" val="2941809020"/>
       </p:ext>
     </p:extLst>
   </p:cSld>
@@ -349,7 +806,7 @@
           <p:cNvPr id="2" name="Заголовок 1">
             <a:extLst>
               <a:ext uri="{FF2B5EF4-FFF2-40B4-BE49-F238E27FC236}">
-                <a16:creationId xmlns:a16="http://schemas.microsoft.com/office/drawing/2014/main" id="{20D79BD1-548D-FBC2-36F3-719E7F092290}"/>
+                <a16:creationId xmlns:a16="http://schemas.microsoft.com/office/drawing/2014/main" id="{4E99B424-665D-F22D-3756-76CC6AF6D475}"/>
               </a:ext>
             </a:extLst>
           </p:cNvPr>
@@ -377,7 +834,7 @@
           <p:cNvPr id="3" name="Вертикальный текст 2">
             <a:extLst>
               <a:ext uri="{FF2B5EF4-FFF2-40B4-BE49-F238E27FC236}">
-                <a16:creationId xmlns:a16="http://schemas.microsoft.com/office/drawing/2014/main" id="{715CF927-84E5-B530-AFBA-65915B6732F4}"/>
+                <a16:creationId xmlns:a16="http://schemas.microsoft.com/office/drawing/2014/main" id="{A41C55BC-9AD5-4E85-6CA4-B21B5C586D44}"/>
               </a:ext>
             </a:extLst>
           </p:cNvPr>
@@ -434,7 +891,7 @@
           <p:cNvPr id="4" name="Дата 3">
             <a:extLst>
               <a:ext uri="{FF2B5EF4-FFF2-40B4-BE49-F238E27FC236}">
-                <a16:creationId xmlns:a16="http://schemas.microsoft.com/office/drawing/2014/main" id="{AE3B85C5-F842-8F60-EF23-AA73D4795AE9}"/>
+                <a16:creationId xmlns:a16="http://schemas.microsoft.com/office/drawing/2014/main" id="{46FA821B-4485-23B5-5537-AD941C643C23}"/>
               </a:ext>
             </a:extLst>
           </p:cNvPr>
@@ -450,9 +907,10 @@
           <a:bodyPr/>
           <a:lstStyle/>
           <a:p>
-            <a:fld id="{FD5832C8-61BE-471F-8BE9-D3201559EC12}" type="datetimeFigureOut">
+            <a:fld id="{DFADA14A-FC9C-43BA-B9DF-8CABD37F0E36}" type="datetime1">
               <a:rPr lang="ru-RU" smtClean="0"/>
-              <a:t>28.05.2024</a:t>
+              <a:pPr/>
+              <a:t>29.05.2024</a:t>
             </a:fld>
             <a:endParaRPr lang="ru-RU"/>
           </a:p>
@@ -463,7 +921,7 @@
           <p:cNvPr id="5" name="Нижний колонтитул 4">
             <a:extLst>
               <a:ext uri="{FF2B5EF4-FFF2-40B4-BE49-F238E27FC236}">
-                <a16:creationId xmlns:a16="http://schemas.microsoft.com/office/drawing/2014/main" id="{2B41EE44-D8CD-E7AA-60C7-0872CE9FD3BE}"/>
+                <a16:creationId xmlns:a16="http://schemas.microsoft.com/office/drawing/2014/main" id="{37A71FC8-C377-39AE-B31B-26911005CBF2}"/>
               </a:ext>
             </a:extLst>
           </p:cNvPr>
@@ -488,7 +946,7 @@
           <p:cNvPr id="6" name="Номер слайда 5">
             <a:extLst>
               <a:ext uri="{FF2B5EF4-FFF2-40B4-BE49-F238E27FC236}">
-                <a16:creationId xmlns:a16="http://schemas.microsoft.com/office/drawing/2014/main" id="{256E04CD-CAF7-4870-2B2C-A5FD4C361347}"/>
+                <a16:creationId xmlns:a16="http://schemas.microsoft.com/office/drawing/2014/main" id="{507CD86A-8896-418C-274E-585D22E6C670}"/>
               </a:ext>
             </a:extLst>
           </p:cNvPr>
@@ -504,8 +962,9 @@
           <a:bodyPr/>
           <a:lstStyle/>
           <a:p>
-            <a:fld id="{FDDF6F9C-71FD-4AA0-A594-011AC0626BBB}" type="slidenum">
+            <a:fld id="{26902790-3E08-4FEA-8771-743AE76A9645}" type="slidenum">
               <a:rPr lang="ru-RU" smtClean="0"/>
+              <a:pPr/>
               <a:t>‹#›</a:t>
             </a:fld>
             <a:endParaRPr lang="ru-RU"/>
@@ -515,7 +974,7 @@
     </p:spTree>
     <p:extLst>
       <p:ext uri="{BB962C8B-B14F-4D97-AF65-F5344CB8AC3E}">
-        <p14:creationId xmlns:p14="http://schemas.microsoft.com/office/powerpoint/2010/main" val="143076253"/>
+        <p14:creationId xmlns:p14="http://schemas.microsoft.com/office/powerpoint/2010/main" val="2514918988"/>
       </p:ext>
     </p:extLst>
   </p:cSld>
@@ -547,7 +1006,7 @@
           <p:cNvPr id="2" name="Вертикальный заголовок 1">
             <a:extLst>
               <a:ext uri="{FF2B5EF4-FFF2-40B4-BE49-F238E27FC236}">
-                <a16:creationId xmlns:a16="http://schemas.microsoft.com/office/drawing/2014/main" id="{0F92957C-E4AF-A50F-ECFE-3BB6CD663150}"/>
+                <a16:creationId xmlns:a16="http://schemas.microsoft.com/office/drawing/2014/main" id="{AA5BA071-A26C-604F-4AAB-E32179C2766A}"/>
               </a:ext>
             </a:extLst>
           </p:cNvPr>
@@ -560,8 +1019,8 @@
         </p:nvSpPr>
         <p:spPr>
           <a:xfrm>
-            <a:off x="8724900" y="365125"/>
-            <a:ext cx="2628900" cy="5811838"/>
+            <a:off x="6543675" y="365125"/>
+            <a:ext cx="1971675" cy="5811838"/>
           </a:xfrm>
         </p:spPr>
         <p:txBody>
@@ -580,7 +1039,7 @@
           <p:cNvPr id="3" name="Вертикальный текст 2">
             <a:extLst>
               <a:ext uri="{FF2B5EF4-FFF2-40B4-BE49-F238E27FC236}">
-                <a16:creationId xmlns:a16="http://schemas.microsoft.com/office/drawing/2014/main" id="{9D48629B-54F1-8347-BA2B-B912B04B7836}"/>
+                <a16:creationId xmlns:a16="http://schemas.microsoft.com/office/drawing/2014/main" id="{FE56CA9F-DBAF-09E7-DE6A-F2C275C159AB}"/>
               </a:ext>
             </a:extLst>
           </p:cNvPr>
@@ -593,8 +1052,8 @@
         </p:nvSpPr>
         <p:spPr>
           <a:xfrm>
-            <a:off x="838200" y="365125"/>
-            <a:ext cx="7734300" cy="5811838"/>
+            <a:off x="628650" y="365125"/>
+            <a:ext cx="5800725" cy="5811838"/>
           </a:xfrm>
         </p:spPr>
         <p:txBody>
@@ -642,7 +1101,7 @@
           <p:cNvPr id="4" name="Дата 3">
             <a:extLst>
               <a:ext uri="{FF2B5EF4-FFF2-40B4-BE49-F238E27FC236}">
-                <a16:creationId xmlns:a16="http://schemas.microsoft.com/office/drawing/2014/main" id="{E83B9263-B9B1-C342-7AC7-621EE7DCD7F8}"/>
+                <a16:creationId xmlns:a16="http://schemas.microsoft.com/office/drawing/2014/main" id="{64C2E4CE-F95E-763C-A26D-65EF4C900C3B}"/>
               </a:ext>
             </a:extLst>
           </p:cNvPr>
@@ -658,9 +1117,10 @@
           <a:bodyPr/>
           <a:lstStyle/>
           <a:p>
-            <a:fld id="{FD5832C8-61BE-471F-8BE9-D3201559EC12}" type="datetimeFigureOut">
+            <a:fld id="{ED250ABD-910C-49B9-9455-E7055DD4ADE9}" type="datetime1">
               <a:rPr lang="ru-RU" smtClean="0"/>
-              <a:t>28.05.2024</a:t>
+              <a:pPr/>
+              <a:t>29.05.2024</a:t>
             </a:fld>
             <a:endParaRPr lang="ru-RU"/>
           </a:p>
@@ -671,7 +1131,7 @@
           <p:cNvPr id="5" name="Нижний колонтитул 4">
             <a:extLst>
               <a:ext uri="{FF2B5EF4-FFF2-40B4-BE49-F238E27FC236}">
-                <a16:creationId xmlns:a16="http://schemas.microsoft.com/office/drawing/2014/main" id="{6422F33C-0390-3E1F-BEA7-D1B665E5D708}"/>
+                <a16:creationId xmlns:a16="http://schemas.microsoft.com/office/drawing/2014/main" id="{F5A2508C-7147-A6DF-942F-462F5406CD91}"/>
               </a:ext>
             </a:extLst>
           </p:cNvPr>
@@ -696,7 +1156,7 @@
           <p:cNvPr id="6" name="Номер слайда 5">
             <a:extLst>
               <a:ext uri="{FF2B5EF4-FFF2-40B4-BE49-F238E27FC236}">
-                <a16:creationId xmlns:a16="http://schemas.microsoft.com/office/drawing/2014/main" id="{E54D8C67-05D2-7AFC-29DE-F40A129CEB1F}"/>
+                <a16:creationId xmlns:a16="http://schemas.microsoft.com/office/drawing/2014/main" id="{109E5AF8-75F3-9642-6697-A4BC4F30A3DE}"/>
               </a:ext>
             </a:extLst>
           </p:cNvPr>
@@ -712,8 +1172,9 @@
           <a:bodyPr/>
           <a:lstStyle/>
           <a:p>
-            <a:fld id="{FDDF6F9C-71FD-4AA0-A594-011AC0626BBB}" type="slidenum">
+            <a:fld id="{26902790-3E08-4FEA-8771-743AE76A9645}" type="slidenum">
               <a:rPr lang="ru-RU" smtClean="0"/>
+              <a:pPr/>
               <a:t>‹#›</a:t>
             </a:fld>
             <a:endParaRPr lang="ru-RU"/>
@@ -723,7 +1184,7 @@
     </p:spTree>
     <p:extLst>
       <p:ext uri="{BB962C8B-B14F-4D97-AF65-F5344CB8AC3E}">
-        <p14:creationId xmlns:p14="http://schemas.microsoft.com/office/powerpoint/2010/main" val="696010228"/>
+        <p14:creationId xmlns:p14="http://schemas.microsoft.com/office/powerpoint/2010/main" val="2806046904"/>
       </p:ext>
     </p:extLst>
   </p:cSld>
@@ -755,7 +1216,7 @@
           <p:cNvPr id="2" name="Заголовок 1">
             <a:extLst>
               <a:ext uri="{FF2B5EF4-FFF2-40B4-BE49-F238E27FC236}">
-                <a16:creationId xmlns:a16="http://schemas.microsoft.com/office/drawing/2014/main" id="{047BF766-A5BB-5245-C0BA-1AEF78EE5DC5}"/>
+                <a16:creationId xmlns:a16="http://schemas.microsoft.com/office/drawing/2014/main" id="{51D763B3-0010-F097-A618-A861D7808E60}"/>
               </a:ext>
             </a:extLst>
           </p:cNvPr>
@@ -783,7 +1244,7 @@
           <p:cNvPr id="3" name="Объект 2">
             <a:extLst>
               <a:ext uri="{FF2B5EF4-FFF2-40B4-BE49-F238E27FC236}">
-                <a16:creationId xmlns:a16="http://schemas.microsoft.com/office/drawing/2014/main" id="{7F3C4A5B-7129-7B80-D685-65745CCF26F3}"/>
+                <a16:creationId xmlns:a16="http://schemas.microsoft.com/office/drawing/2014/main" id="{B41D604F-D46D-A280-C7DE-5BE1422FB0D3}"/>
               </a:ext>
             </a:extLst>
           </p:cNvPr>
@@ -840,7 +1301,7 @@
           <p:cNvPr id="4" name="Дата 3">
             <a:extLst>
               <a:ext uri="{FF2B5EF4-FFF2-40B4-BE49-F238E27FC236}">
-                <a16:creationId xmlns:a16="http://schemas.microsoft.com/office/drawing/2014/main" id="{AF06A0AB-8C72-50CA-1E68-977B77FFF6E6}"/>
+                <a16:creationId xmlns:a16="http://schemas.microsoft.com/office/drawing/2014/main" id="{D958DF10-1396-4546-0229-80B0E411D413}"/>
               </a:ext>
             </a:extLst>
           </p:cNvPr>
@@ -856,9 +1317,10 @@
           <a:bodyPr/>
           <a:lstStyle/>
           <a:p>
-            <a:fld id="{FD5832C8-61BE-471F-8BE9-D3201559EC12}" type="datetimeFigureOut">
+            <a:fld id="{DF5A0807-EB64-4FD6-8395-53D18F57EA27}" type="datetime1">
               <a:rPr lang="ru-RU" smtClean="0"/>
-              <a:t>28.05.2024</a:t>
+              <a:pPr/>
+              <a:t>29.05.2024</a:t>
             </a:fld>
             <a:endParaRPr lang="ru-RU"/>
           </a:p>
@@ -869,7 +1331,7 @@
           <p:cNvPr id="5" name="Нижний колонтитул 4">
             <a:extLst>
               <a:ext uri="{FF2B5EF4-FFF2-40B4-BE49-F238E27FC236}">
-                <a16:creationId xmlns:a16="http://schemas.microsoft.com/office/drawing/2014/main" id="{2BED90EC-BDB4-9368-356D-022DA588F34A}"/>
+                <a16:creationId xmlns:a16="http://schemas.microsoft.com/office/drawing/2014/main" id="{867C6B68-15F1-1098-8AFD-302BB1CAEFEB}"/>
               </a:ext>
             </a:extLst>
           </p:cNvPr>
@@ -894,7 +1356,7 @@
           <p:cNvPr id="6" name="Номер слайда 5">
             <a:extLst>
               <a:ext uri="{FF2B5EF4-FFF2-40B4-BE49-F238E27FC236}">
-                <a16:creationId xmlns:a16="http://schemas.microsoft.com/office/drawing/2014/main" id="{22E12C40-6B4C-DB7F-1C56-5BD61E64BC03}"/>
+                <a16:creationId xmlns:a16="http://schemas.microsoft.com/office/drawing/2014/main" id="{E5F8DF7D-2E32-4884-9321-C14C47976E17}"/>
               </a:ext>
             </a:extLst>
           </p:cNvPr>
@@ -910,8 +1372,9 @@
           <a:bodyPr/>
           <a:lstStyle/>
           <a:p>
-            <a:fld id="{FDDF6F9C-71FD-4AA0-A594-011AC0626BBB}" type="slidenum">
+            <a:fld id="{26902790-3E08-4FEA-8771-743AE76A9645}" type="slidenum">
               <a:rPr lang="ru-RU" smtClean="0"/>
+              <a:pPr/>
               <a:t>‹#›</a:t>
             </a:fld>
             <a:endParaRPr lang="ru-RU"/>
@@ -921,7 +1384,7 @@
     </p:spTree>
     <p:extLst>
       <p:ext uri="{BB962C8B-B14F-4D97-AF65-F5344CB8AC3E}">
-        <p14:creationId xmlns:p14="http://schemas.microsoft.com/office/powerpoint/2010/main" val="124003209"/>
+        <p14:creationId xmlns:p14="http://schemas.microsoft.com/office/powerpoint/2010/main" val="306987573"/>
       </p:ext>
     </p:extLst>
   </p:cSld>
@@ -953,7 +1416,7 @@
           <p:cNvPr id="2" name="Заголовок 1">
             <a:extLst>
               <a:ext uri="{FF2B5EF4-FFF2-40B4-BE49-F238E27FC236}">
-                <a16:creationId xmlns:a16="http://schemas.microsoft.com/office/drawing/2014/main" id="{21F734A5-C1C9-6418-16D8-16BF36D4E419}"/>
+                <a16:creationId xmlns:a16="http://schemas.microsoft.com/office/drawing/2014/main" id="{793FA5A1-48B2-702F-D1ED-B6FB775FBB45}"/>
               </a:ext>
             </a:extLst>
           </p:cNvPr>
@@ -966,15 +1429,15 @@
         </p:nvSpPr>
         <p:spPr>
           <a:xfrm>
-            <a:off x="831850" y="1709738"/>
-            <a:ext cx="10515600" cy="2852737"/>
+            <a:off x="623888" y="1709739"/>
+            <a:ext cx="7886700" cy="2852737"/>
           </a:xfrm>
         </p:spPr>
         <p:txBody>
           <a:bodyPr anchor="b"/>
           <a:lstStyle>
             <a:lvl1pPr>
-              <a:defRPr sz="6000"/>
+              <a:defRPr sz="4500"/>
             </a:lvl1pPr>
           </a:lstStyle>
           <a:p>
@@ -990,7 +1453,7 @@
           <p:cNvPr id="3" name="Текст 2">
             <a:extLst>
               <a:ext uri="{FF2B5EF4-FFF2-40B4-BE49-F238E27FC236}">
-                <a16:creationId xmlns:a16="http://schemas.microsoft.com/office/drawing/2014/main" id="{6B3530F3-B496-4019-6E22-064A82D103C1}"/>
+                <a16:creationId xmlns:a16="http://schemas.microsoft.com/office/drawing/2014/main" id="{3D17A091-2B61-A16C-AC63-1033566864AB}"/>
               </a:ext>
             </a:extLst>
           </p:cNvPr>
@@ -1003,8 +1466,8 @@
         </p:nvSpPr>
         <p:spPr>
           <a:xfrm>
-            <a:off x="831850" y="4589463"/>
-            <a:ext cx="10515600" cy="1500187"/>
+            <a:off x="623888" y="4589464"/>
+            <a:ext cx="7886700" cy="1500187"/>
           </a:xfrm>
         </p:spPr>
         <p:txBody>
@@ -1012,7 +1475,7 @@
           <a:lstStyle>
             <a:lvl1pPr marL="0" indent="0">
               <a:buNone/>
-              <a:defRPr sz="2400">
+              <a:defRPr sz="1800">
                 <a:solidFill>
                   <a:schemeClr val="tx1">
                     <a:tint val="75000"/>
@@ -1020,9 +1483,9 @@
                 </a:solidFill>
               </a:defRPr>
             </a:lvl1pPr>
-            <a:lvl2pPr marL="457200" indent="0">
-              <a:buNone/>
-              <a:defRPr sz="2000">
+            <a:lvl2pPr marL="342900" indent="0">
+              <a:buNone/>
+              <a:defRPr sz="1500">
                 <a:solidFill>
                   <a:schemeClr val="tx1">
                     <a:tint val="75000"/>
@@ -1030,9 +1493,9 @@
                 </a:solidFill>
               </a:defRPr>
             </a:lvl2pPr>
-            <a:lvl3pPr marL="914400" indent="0">
-              <a:buNone/>
-              <a:defRPr sz="1800">
+            <a:lvl3pPr marL="685800" indent="0">
+              <a:buNone/>
+              <a:defRPr sz="1350">
                 <a:solidFill>
                   <a:schemeClr val="tx1">
                     <a:tint val="75000"/>
@@ -1040,9 +1503,9 @@
                 </a:solidFill>
               </a:defRPr>
             </a:lvl3pPr>
-            <a:lvl4pPr marL="1371600" indent="0">
-              <a:buNone/>
-              <a:defRPr sz="1600">
+            <a:lvl4pPr marL="1028700" indent="0">
+              <a:buNone/>
+              <a:defRPr sz="1200">
                 <a:solidFill>
                   <a:schemeClr val="tx1">
                     <a:tint val="75000"/>
@@ -1050,9 +1513,9 @@
                 </a:solidFill>
               </a:defRPr>
             </a:lvl4pPr>
-            <a:lvl5pPr marL="1828800" indent="0">
-              <a:buNone/>
-              <a:defRPr sz="1600">
+            <a:lvl5pPr marL="1371600" indent="0">
+              <a:buNone/>
+              <a:defRPr sz="1200">
                 <a:solidFill>
                   <a:schemeClr val="tx1">
                     <a:tint val="75000"/>
@@ -1060,9 +1523,9 @@
                 </a:solidFill>
               </a:defRPr>
             </a:lvl5pPr>
-            <a:lvl6pPr marL="2286000" indent="0">
-              <a:buNone/>
-              <a:defRPr sz="1600">
+            <a:lvl6pPr marL="1714500" indent="0">
+              <a:buNone/>
+              <a:defRPr sz="1200">
                 <a:solidFill>
                   <a:schemeClr val="tx1">
                     <a:tint val="75000"/>
@@ -1070,9 +1533,9 @@
                 </a:solidFill>
               </a:defRPr>
             </a:lvl6pPr>
-            <a:lvl7pPr marL="2743200" indent="0">
-              <a:buNone/>
-              <a:defRPr sz="1600">
+            <a:lvl7pPr marL="2057400" indent="0">
+              <a:buNone/>
+              <a:defRPr sz="1200">
                 <a:solidFill>
                   <a:schemeClr val="tx1">
                     <a:tint val="75000"/>
@@ -1080,9 +1543,9 @@
                 </a:solidFill>
               </a:defRPr>
             </a:lvl7pPr>
-            <a:lvl8pPr marL="3200400" indent="0">
-              <a:buNone/>
-              <a:defRPr sz="1600">
+            <a:lvl8pPr marL="2400300" indent="0">
+              <a:buNone/>
+              <a:defRPr sz="1200">
                 <a:solidFill>
                   <a:schemeClr val="tx1">
                     <a:tint val="75000"/>
@@ -1090,9 +1553,9 @@
                 </a:solidFill>
               </a:defRPr>
             </a:lvl8pPr>
-            <a:lvl9pPr marL="3657600" indent="0">
-              <a:buNone/>
-              <a:defRPr sz="1600">
+            <a:lvl9pPr marL="2743200" indent="0">
+              <a:buNone/>
+              <a:defRPr sz="1200">
                 <a:solidFill>
                   <a:schemeClr val="tx1">
                     <a:tint val="75000"/>
@@ -1115,7 +1578,7 @@
           <p:cNvPr id="4" name="Дата 3">
             <a:extLst>
               <a:ext uri="{FF2B5EF4-FFF2-40B4-BE49-F238E27FC236}">
-                <a16:creationId xmlns:a16="http://schemas.microsoft.com/office/drawing/2014/main" id="{B6027C9A-0253-2BC1-03A1-A54B8719858A}"/>
+                <a16:creationId xmlns:a16="http://schemas.microsoft.com/office/drawing/2014/main" id="{ECE89E6D-CCB7-39B6-EE9C-D075E08224E7}"/>
               </a:ext>
             </a:extLst>
           </p:cNvPr>
@@ -1131,9 +1594,10 @@
           <a:bodyPr/>
           <a:lstStyle/>
           <a:p>
-            <a:fld id="{FD5832C8-61BE-471F-8BE9-D3201559EC12}" type="datetimeFigureOut">
+            <a:fld id="{85CAB6EE-810F-4F1C-BA5F-DCF542D68D8A}" type="datetime1">
               <a:rPr lang="ru-RU" smtClean="0"/>
-              <a:t>28.05.2024</a:t>
+              <a:pPr/>
+              <a:t>29.05.2024</a:t>
             </a:fld>
             <a:endParaRPr lang="ru-RU"/>
           </a:p>
@@ -1144,7 +1608,7 @@
           <p:cNvPr id="5" name="Нижний колонтитул 4">
             <a:extLst>
               <a:ext uri="{FF2B5EF4-FFF2-40B4-BE49-F238E27FC236}">
-                <a16:creationId xmlns:a16="http://schemas.microsoft.com/office/drawing/2014/main" id="{759495EE-7F47-789E-889A-90044EDD6E77}"/>
+                <a16:creationId xmlns:a16="http://schemas.microsoft.com/office/drawing/2014/main" id="{75E49787-3B48-606A-C37A-DBCEBA2E9B06}"/>
               </a:ext>
             </a:extLst>
           </p:cNvPr>
@@ -1169,7 +1633,7 @@
           <p:cNvPr id="6" name="Номер слайда 5">
             <a:extLst>
               <a:ext uri="{FF2B5EF4-FFF2-40B4-BE49-F238E27FC236}">
-                <a16:creationId xmlns:a16="http://schemas.microsoft.com/office/drawing/2014/main" id="{C8E1DE90-8E77-1B30-AF2D-624199807A16}"/>
+                <a16:creationId xmlns:a16="http://schemas.microsoft.com/office/drawing/2014/main" id="{2074C86C-65A5-B600-79F8-B45C95A923CD}"/>
               </a:ext>
             </a:extLst>
           </p:cNvPr>
@@ -1185,8 +1649,9 @@
           <a:bodyPr/>
           <a:lstStyle/>
           <a:p>
-            <a:fld id="{FDDF6F9C-71FD-4AA0-A594-011AC0626BBB}" type="slidenum">
+            <a:fld id="{26902790-3E08-4FEA-8771-743AE76A9645}" type="slidenum">
               <a:rPr lang="ru-RU" smtClean="0"/>
+              <a:pPr/>
               <a:t>‹#›</a:t>
             </a:fld>
             <a:endParaRPr lang="ru-RU"/>
@@ -1196,7 +1661,7 @@
     </p:spTree>
     <p:extLst>
       <p:ext uri="{BB962C8B-B14F-4D97-AF65-F5344CB8AC3E}">
-        <p14:creationId xmlns:p14="http://schemas.microsoft.com/office/powerpoint/2010/main" val="2267576116"/>
+        <p14:creationId xmlns:p14="http://schemas.microsoft.com/office/powerpoint/2010/main" val="3850187457"/>
       </p:ext>
     </p:extLst>
   </p:cSld>
@@ -1228,7 +1693,7 @@
           <p:cNvPr id="2" name="Заголовок 1">
             <a:extLst>
               <a:ext uri="{FF2B5EF4-FFF2-40B4-BE49-F238E27FC236}">
-                <a16:creationId xmlns:a16="http://schemas.microsoft.com/office/drawing/2014/main" id="{83A8CCBE-1C8B-CBF2-8C21-CB88DF9A2032}"/>
+                <a16:creationId xmlns:a16="http://schemas.microsoft.com/office/drawing/2014/main" id="{E06CA517-D824-07F8-3D0E-38DF31332A93}"/>
               </a:ext>
             </a:extLst>
           </p:cNvPr>
@@ -1256,7 +1721,7 @@
           <p:cNvPr id="3" name="Объект 2">
             <a:extLst>
               <a:ext uri="{FF2B5EF4-FFF2-40B4-BE49-F238E27FC236}">
-                <a16:creationId xmlns:a16="http://schemas.microsoft.com/office/drawing/2014/main" id="{AF1FBCDC-5800-37A6-330F-2C44D01B8A43}"/>
+                <a16:creationId xmlns:a16="http://schemas.microsoft.com/office/drawing/2014/main" id="{18969CDE-770F-4F28-01B6-D1E7F4420A17}"/>
               </a:ext>
             </a:extLst>
           </p:cNvPr>
@@ -1269,8 +1734,8 @@
         </p:nvSpPr>
         <p:spPr>
           <a:xfrm>
-            <a:off x="838200" y="1825625"/>
-            <a:ext cx="5181600" cy="4351338"/>
+            <a:off x="628650" y="1825625"/>
+            <a:ext cx="3886200" cy="4351338"/>
           </a:xfrm>
         </p:spPr>
         <p:txBody>
@@ -1318,7 +1783,7 @@
           <p:cNvPr id="4" name="Объект 3">
             <a:extLst>
               <a:ext uri="{FF2B5EF4-FFF2-40B4-BE49-F238E27FC236}">
-                <a16:creationId xmlns:a16="http://schemas.microsoft.com/office/drawing/2014/main" id="{48D8F9A9-199B-CD5F-DFE0-40A103D639F4}"/>
+                <a16:creationId xmlns:a16="http://schemas.microsoft.com/office/drawing/2014/main" id="{20DF2F03-36E3-1B3D-B01F-B7307C73BF99}"/>
               </a:ext>
             </a:extLst>
           </p:cNvPr>
@@ -1331,8 +1796,8 @@
         </p:nvSpPr>
         <p:spPr>
           <a:xfrm>
-            <a:off x="6172200" y="1825625"/>
-            <a:ext cx="5181600" cy="4351338"/>
+            <a:off x="4629150" y="1825625"/>
+            <a:ext cx="3886200" cy="4351338"/>
           </a:xfrm>
         </p:spPr>
         <p:txBody>
@@ -1380,7 +1845,7 @@
           <p:cNvPr id="5" name="Дата 4">
             <a:extLst>
               <a:ext uri="{FF2B5EF4-FFF2-40B4-BE49-F238E27FC236}">
-                <a16:creationId xmlns:a16="http://schemas.microsoft.com/office/drawing/2014/main" id="{06508F1B-F699-EC18-DB68-173E3841C2C7}"/>
+                <a16:creationId xmlns:a16="http://schemas.microsoft.com/office/drawing/2014/main" id="{A0D16D85-0FDA-FBC5-EDCF-35AF45AF2A9C}"/>
               </a:ext>
             </a:extLst>
           </p:cNvPr>
@@ -1396,9 +1861,10 @@
           <a:bodyPr/>
           <a:lstStyle/>
           <a:p>
-            <a:fld id="{FD5832C8-61BE-471F-8BE9-D3201559EC12}" type="datetimeFigureOut">
+            <a:fld id="{7F024BC3-EF79-4465-984E-5935AC289881}" type="datetime1">
               <a:rPr lang="ru-RU" smtClean="0"/>
-              <a:t>28.05.2024</a:t>
+              <a:pPr/>
+              <a:t>29.05.2024</a:t>
             </a:fld>
             <a:endParaRPr lang="ru-RU"/>
           </a:p>
@@ -1409,7 +1875,7 @@
           <p:cNvPr id="6" name="Нижний колонтитул 5">
             <a:extLst>
               <a:ext uri="{FF2B5EF4-FFF2-40B4-BE49-F238E27FC236}">
-                <a16:creationId xmlns:a16="http://schemas.microsoft.com/office/drawing/2014/main" id="{71A40E51-2797-9AB2-69BE-3032E6FF1CFF}"/>
+                <a16:creationId xmlns:a16="http://schemas.microsoft.com/office/drawing/2014/main" id="{7F672E43-84C9-3069-B935-B1ADB8C286E7}"/>
               </a:ext>
             </a:extLst>
           </p:cNvPr>
@@ -1434,7 +1900,7 @@
           <p:cNvPr id="7" name="Номер слайда 6">
             <a:extLst>
               <a:ext uri="{FF2B5EF4-FFF2-40B4-BE49-F238E27FC236}">
-                <a16:creationId xmlns:a16="http://schemas.microsoft.com/office/drawing/2014/main" id="{FEEFC947-935E-3911-6E0F-7221F84FADC0}"/>
+                <a16:creationId xmlns:a16="http://schemas.microsoft.com/office/drawing/2014/main" id="{8CC5B740-1FE3-7E05-627A-4337BA7E48C6}"/>
               </a:ext>
             </a:extLst>
           </p:cNvPr>
@@ -1450,8 +1916,9 @@
           <a:bodyPr/>
           <a:lstStyle/>
           <a:p>
-            <a:fld id="{FDDF6F9C-71FD-4AA0-A594-011AC0626BBB}" type="slidenum">
+            <a:fld id="{26902790-3E08-4FEA-8771-743AE76A9645}" type="slidenum">
               <a:rPr lang="ru-RU" smtClean="0"/>
+              <a:pPr/>
               <a:t>‹#›</a:t>
             </a:fld>
             <a:endParaRPr lang="ru-RU"/>
@@ -1461,7 +1928,7 @@
     </p:spTree>
     <p:extLst>
       <p:ext uri="{BB962C8B-B14F-4D97-AF65-F5344CB8AC3E}">
-        <p14:creationId xmlns:p14="http://schemas.microsoft.com/office/powerpoint/2010/main" val="1149789499"/>
+        <p14:creationId xmlns:p14="http://schemas.microsoft.com/office/powerpoint/2010/main" val="54936976"/>
       </p:ext>
     </p:extLst>
   </p:cSld>
@@ -1493,7 +1960,7 @@
           <p:cNvPr id="2" name="Заголовок 1">
             <a:extLst>
               <a:ext uri="{FF2B5EF4-FFF2-40B4-BE49-F238E27FC236}">
-                <a16:creationId xmlns:a16="http://schemas.microsoft.com/office/drawing/2014/main" id="{87CEDE4E-20F6-5356-1682-29C5739FCD4A}"/>
+                <a16:creationId xmlns:a16="http://schemas.microsoft.com/office/drawing/2014/main" id="{BC21F23F-999A-B866-E64E-F63E45995182}"/>
               </a:ext>
             </a:extLst>
           </p:cNvPr>
@@ -1506,8 +1973,8 @@
         </p:nvSpPr>
         <p:spPr>
           <a:xfrm>
-            <a:off x="839788" y="365125"/>
-            <a:ext cx="10515600" cy="1325563"/>
+            <a:off x="629841" y="365126"/>
+            <a:ext cx="7886700" cy="1325563"/>
           </a:xfrm>
         </p:spPr>
         <p:txBody>
@@ -1526,7 +1993,7 @@
           <p:cNvPr id="3" name="Текст 2">
             <a:extLst>
               <a:ext uri="{FF2B5EF4-FFF2-40B4-BE49-F238E27FC236}">
-                <a16:creationId xmlns:a16="http://schemas.microsoft.com/office/drawing/2014/main" id="{41D71E61-775C-AE17-BF8A-371556896DE3}"/>
+                <a16:creationId xmlns:a16="http://schemas.microsoft.com/office/drawing/2014/main" id="{7119335D-CDD8-6665-C858-3C4CDEF41BC0}"/>
               </a:ext>
             </a:extLst>
           </p:cNvPr>
@@ -1539,8 +2006,8 @@
         </p:nvSpPr>
         <p:spPr>
           <a:xfrm>
-            <a:off x="839788" y="1681163"/>
-            <a:ext cx="5157787" cy="823912"/>
+            <a:off x="629842" y="1681163"/>
+            <a:ext cx="3868340" cy="823912"/>
           </a:xfrm>
         </p:spPr>
         <p:txBody>
@@ -1548,39 +2015,39 @@
           <a:lstStyle>
             <a:lvl1pPr marL="0" indent="0">
               <a:buNone/>
-              <a:defRPr sz="2400" b="1"/>
+              <a:defRPr sz="1800" b="1"/>
             </a:lvl1pPr>
-            <a:lvl2pPr marL="457200" indent="0">
-              <a:buNone/>
-              <a:defRPr sz="2000" b="1"/>
+            <a:lvl2pPr marL="342900" indent="0">
+              <a:buNone/>
+              <a:defRPr sz="1500" b="1"/>
             </a:lvl2pPr>
-            <a:lvl3pPr marL="914400" indent="0">
-              <a:buNone/>
-              <a:defRPr sz="1800" b="1"/>
+            <a:lvl3pPr marL="685800" indent="0">
+              <a:buNone/>
+              <a:defRPr sz="1350" b="1"/>
             </a:lvl3pPr>
-            <a:lvl4pPr marL="1371600" indent="0">
-              <a:buNone/>
-              <a:defRPr sz="1600" b="1"/>
+            <a:lvl4pPr marL="1028700" indent="0">
+              <a:buNone/>
+              <a:defRPr sz="1200" b="1"/>
             </a:lvl4pPr>
-            <a:lvl5pPr marL="1828800" indent="0">
-              <a:buNone/>
-              <a:defRPr sz="1600" b="1"/>
+            <a:lvl5pPr marL="1371600" indent="0">
+              <a:buNone/>
+              <a:defRPr sz="1200" b="1"/>
             </a:lvl5pPr>
-            <a:lvl6pPr marL="2286000" indent="0">
-              <a:buNone/>
-              <a:defRPr sz="1600" b="1"/>
+            <a:lvl6pPr marL="1714500" indent="0">
+              <a:buNone/>
+              <a:defRPr sz="1200" b="1"/>
             </a:lvl6pPr>
-            <a:lvl7pPr marL="2743200" indent="0">
-              <a:buNone/>
-              <a:defRPr sz="1600" b="1"/>
+            <a:lvl7pPr marL="2057400" indent="0">
+              <a:buNone/>
+              <a:defRPr sz="1200" b="1"/>
             </a:lvl7pPr>
-            <a:lvl8pPr marL="3200400" indent="0">
-              <a:buNone/>
-              <a:defRPr sz="1600" b="1"/>
+            <a:lvl8pPr marL="2400300" indent="0">
+              <a:buNone/>
+              <a:defRPr sz="1200" b="1"/>
             </a:lvl8pPr>
-            <a:lvl9pPr marL="3657600" indent="0">
-              <a:buNone/>
-              <a:defRPr sz="1600" b="1"/>
+            <a:lvl9pPr marL="2743200" indent="0">
+              <a:buNone/>
+              <a:defRPr sz="1200" b="1"/>
             </a:lvl9pPr>
           </a:lstStyle>
           <a:p>
@@ -1597,7 +2064,7 @@
           <p:cNvPr id="4" name="Объект 3">
             <a:extLst>
               <a:ext uri="{FF2B5EF4-FFF2-40B4-BE49-F238E27FC236}">
-                <a16:creationId xmlns:a16="http://schemas.microsoft.com/office/drawing/2014/main" id="{D3BDA336-071F-8408-EBD0-39F393C8EC5E}"/>
+                <a16:creationId xmlns:a16="http://schemas.microsoft.com/office/drawing/2014/main" id="{1DD24B7E-2629-B058-3997-41EEE844A54A}"/>
               </a:ext>
             </a:extLst>
           </p:cNvPr>
@@ -1610,8 +2077,8 @@
         </p:nvSpPr>
         <p:spPr>
           <a:xfrm>
-            <a:off x="839788" y="2505075"/>
-            <a:ext cx="5157787" cy="3684588"/>
+            <a:off x="629842" y="2505075"/>
+            <a:ext cx="3868340" cy="3684588"/>
           </a:xfrm>
         </p:spPr>
         <p:txBody>
@@ -1659,7 +2126,7 @@
           <p:cNvPr id="5" name="Текст 4">
             <a:extLst>
               <a:ext uri="{FF2B5EF4-FFF2-40B4-BE49-F238E27FC236}">
-                <a16:creationId xmlns:a16="http://schemas.microsoft.com/office/drawing/2014/main" id="{462492E7-8191-B16F-9F48-504A1CD04608}"/>
+                <a16:creationId xmlns:a16="http://schemas.microsoft.com/office/drawing/2014/main" id="{59137A35-6D20-C14E-4D19-42A50E30F060}"/>
               </a:ext>
             </a:extLst>
           </p:cNvPr>
@@ -1672,8 +2139,8 @@
         </p:nvSpPr>
         <p:spPr>
           <a:xfrm>
-            <a:off x="6172200" y="1681163"/>
-            <a:ext cx="5183188" cy="823912"/>
+            <a:off x="4629150" y="1681163"/>
+            <a:ext cx="3887391" cy="823912"/>
           </a:xfrm>
         </p:spPr>
         <p:txBody>
@@ -1681,39 +2148,39 @@
           <a:lstStyle>
             <a:lvl1pPr marL="0" indent="0">
               <a:buNone/>
-              <a:defRPr sz="2400" b="1"/>
+              <a:defRPr sz="1800" b="1"/>
             </a:lvl1pPr>
-            <a:lvl2pPr marL="457200" indent="0">
-              <a:buNone/>
-              <a:defRPr sz="2000" b="1"/>
+            <a:lvl2pPr marL="342900" indent="0">
+              <a:buNone/>
+              <a:defRPr sz="1500" b="1"/>
             </a:lvl2pPr>
-            <a:lvl3pPr marL="914400" indent="0">
-              <a:buNone/>
-              <a:defRPr sz="1800" b="1"/>
+            <a:lvl3pPr marL="685800" indent="0">
+              <a:buNone/>
+              <a:defRPr sz="1350" b="1"/>
             </a:lvl3pPr>
-            <a:lvl4pPr marL="1371600" indent="0">
-              <a:buNone/>
-              <a:defRPr sz="1600" b="1"/>
+            <a:lvl4pPr marL="1028700" indent="0">
+              <a:buNone/>
+              <a:defRPr sz="1200" b="1"/>
             </a:lvl4pPr>
-            <a:lvl5pPr marL="1828800" indent="0">
-              <a:buNone/>
-              <a:defRPr sz="1600" b="1"/>
+            <a:lvl5pPr marL="1371600" indent="0">
+              <a:buNone/>
+              <a:defRPr sz="1200" b="1"/>
             </a:lvl5pPr>
-            <a:lvl6pPr marL="2286000" indent="0">
-              <a:buNone/>
-              <a:defRPr sz="1600" b="1"/>
+            <a:lvl6pPr marL="1714500" indent="0">
+              <a:buNone/>
+              <a:defRPr sz="1200" b="1"/>
             </a:lvl6pPr>
-            <a:lvl7pPr marL="2743200" indent="0">
-              <a:buNone/>
-              <a:defRPr sz="1600" b="1"/>
+            <a:lvl7pPr marL="2057400" indent="0">
+              <a:buNone/>
+              <a:defRPr sz="1200" b="1"/>
             </a:lvl7pPr>
-            <a:lvl8pPr marL="3200400" indent="0">
-              <a:buNone/>
-              <a:defRPr sz="1600" b="1"/>
+            <a:lvl8pPr marL="2400300" indent="0">
+              <a:buNone/>
+              <a:defRPr sz="1200" b="1"/>
             </a:lvl8pPr>
-            <a:lvl9pPr marL="3657600" indent="0">
-              <a:buNone/>
-              <a:defRPr sz="1600" b="1"/>
+            <a:lvl9pPr marL="2743200" indent="0">
+              <a:buNone/>
+              <a:defRPr sz="1200" b="1"/>
             </a:lvl9pPr>
           </a:lstStyle>
           <a:p>
@@ -1730,7 +2197,7 @@
           <p:cNvPr id="6" name="Объект 5">
             <a:extLst>
               <a:ext uri="{FF2B5EF4-FFF2-40B4-BE49-F238E27FC236}">
-                <a16:creationId xmlns:a16="http://schemas.microsoft.com/office/drawing/2014/main" id="{A669C3A0-1365-915C-3DA2-AE27B23BBD11}"/>
+                <a16:creationId xmlns:a16="http://schemas.microsoft.com/office/drawing/2014/main" id="{4F1B36D7-5040-547D-C907-E84BBF02687F}"/>
               </a:ext>
             </a:extLst>
           </p:cNvPr>
@@ -1743,8 +2210,8 @@
         </p:nvSpPr>
         <p:spPr>
           <a:xfrm>
-            <a:off x="6172200" y="2505075"/>
-            <a:ext cx="5183188" cy="3684588"/>
+            <a:off x="4629150" y="2505075"/>
+            <a:ext cx="3887391" cy="3684588"/>
           </a:xfrm>
         </p:spPr>
         <p:txBody>
@@ -1792,7 +2259,7 @@
           <p:cNvPr id="7" name="Дата 6">
             <a:extLst>
               <a:ext uri="{FF2B5EF4-FFF2-40B4-BE49-F238E27FC236}">
-                <a16:creationId xmlns:a16="http://schemas.microsoft.com/office/drawing/2014/main" id="{B31511A3-2ED8-4A9B-CC85-9DF0500FABAF}"/>
+                <a16:creationId xmlns:a16="http://schemas.microsoft.com/office/drawing/2014/main" id="{09E35481-CFC2-283E-A7E1-FD095DE874F7}"/>
               </a:ext>
             </a:extLst>
           </p:cNvPr>
@@ -1808,9 +2275,10 @@
           <a:bodyPr/>
           <a:lstStyle/>
           <a:p>
-            <a:fld id="{FD5832C8-61BE-471F-8BE9-D3201559EC12}" type="datetimeFigureOut">
+            <a:fld id="{2B3ABC24-9524-4FAC-8F93-6F1F27F25079}" type="datetime1">
               <a:rPr lang="ru-RU" smtClean="0"/>
-              <a:t>28.05.2024</a:t>
+              <a:pPr/>
+              <a:t>29.05.2024</a:t>
             </a:fld>
             <a:endParaRPr lang="ru-RU"/>
           </a:p>
@@ -1821,7 +2289,7 @@
           <p:cNvPr id="8" name="Нижний колонтитул 7">
             <a:extLst>
               <a:ext uri="{FF2B5EF4-FFF2-40B4-BE49-F238E27FC236}">
-                <a16:creationId xmlns:a16="http://schemas.microsoft.com/office/drawing/2014/main" id="{B57ED947-B716-1F3A-8090-AAB0AEA1350E}"/>
+                <a16:creationId xmlns:a16="http://schemas.microsoft.com/office/drawing/2014/main" id="{5BA91AE4-1C30-33CD-4344-3773A0FF88D4}"/>
               </a:ext>
             </a:extLst>
           </p:cNvPr>
@@ -1846,7 +2314,7 @@
           <p:cNvPr id="9" name="Номер слайда 8">
             <a:extLst>
               <a:ext uri="{FF2B5EF4-FFF2-40B4-BE49-F238E27FC236}">
-                <a16:creationId xmlns:a16="http://schemas.microsoft.com/office/drawing/2014/main" id="{878E3DA3-FB7B-662B-F726-4908E7D66F11}"/>
+                <a16:creationId xmlns:a16="http://schemas.microsoft.com/office/drawing/2014/main" id="{0CB1A5F4-0F58-CF6B-A8FB-4EA230118D62}"/>
               </a:ext>
             </a:extLst>
           </p:cNvPr>
@@ -1862,8 +2330,9 @@
           <a:bodyPr/>
           <a:lstStyle/>
           <a:p>
-            <a:fld id="{FDDF6F9C-71FD-4AA0-A594-011AC0626BBB}" type="slidenum">
+            <a:fld id="{26902790-3E08-4FEA-8771-743AE76A9645}" type="slidenum">
               <a:rPr lang="ru-RU" smtClean="0"/>
+              <a:pPr/>
               <a:t>‹#›</a:t>
             </a:fld>
             <a:endParaRPr lang="ru-RU"/>
@@ -1873,7 +2342,7 @@
     </p:spTree>
     <p:extLst>
       <p:ext uri="{BB962C8B-B14F-4D97-AF65-F5344CB8AC3E}">
-        <p14:creationId xmlns:p14="http://schemas.microsoft.com/office/powerpoint/2010/main" val="2065291280"/>
+        <p14:creationId xmlns:p14="http://schemas.microsoft.com/office/powerpoint/2010/main" val="910119104"/>
       </p:ext>
     </p:extLst>
   </p:cSld>
@@ -1905,7 +2374,7 @@
           <p:cNvPr id="2" name="Заголовок 1">
             <a:extLst>
               <a:ext uri="{FF2B5EF4-FFF2-40B4-BE49-F238E27FC236}">
-                <a16:creationId xmlns:a16="http://schemas.microsoft.com/office/drawing/2014/main" id="{AC93285E-B0C3-17A6-77B9-F0E65F05E849}"/>
+                <a16:creationId xmlns:a16="http://schemas.microsoft.com/office/drawing/2014/main" id="{012EAE79-82F4-CA31-E30F-CDE82C859CF9}"/>
               </a:ext>
             </a:extLst>
           </p:cNvPr>
@@ -1933,7 +2402,7 @@
           <p:cNvPr id="3" name="Дата 2">
             <a:extLst>
               <a:ext uri="{FF2B5EF4-FFF2-40B4-BE49-F238E27FC236}">
-                <a16:creationId xmlns:a16="http://schemas.microsoft.com/office/drawing/2014/main" id="{CD8FFA22-321E-1058-E90E-2849F8E82FFA}"/>
+                <a16:creationId xmlns:a16="http://schemas.microsoft.com/office/drawing/2014/main" id="{77E22E7B-49C3-A690-2C6B-62EA06E77505}"/>
               </a:ext>
             </a:extLst>
           </p:cNvPr>
@@ -1949,9 +2418,10 @@
           <a:bodyPr/>
           <a:lstStyle/>
           <a:p>
-            <a:fld id="{FD5832C8-61BE-471F-8BE9-D3201559EC12}" type="datetimeFigureOut">
+            <a:fld id="{50A029C3-9E8A-47DB-B1FB-A9FA1063B3D0}" type="datetime1">
               <a:rPr lang="ru-RU" smtClean="0"/>
-              <a:t>28.05.2024</a:t>
+              <a:pPr/>
+              <a:t>29.05.2024</a:t>
             </a:fld>
             <a:endParaRPr lang="ru-RU"/>
           </a:p>
@@ -1962,7 +2432,7 @@
           <p:cNvPr id="4" name="Нижний колонтитул 3">
             <a:extLst>
               <a:ext uri="{FF2B5EF4-FFF2-40B4-BE49-F238E27FC236}">
-                <a16:creationId xmlns:a16="http://schemas.microsoft.com/office/drawing/2014/main" id="{F27D7840-95F8-5E0E-81C0-0E490FACE026}"/>
+                <a16:creationId xmlns:a16="http://schemas.microsoft.com/office/drawing/2014/main" id="{280C9B63-2451-9A4B-F38A-3D158B9B2E56}"/>
               </a:ext>
             </a:extLst>
           </p:cNvPr>
@@ -1987,7 +2457,7 @@
           <p:cNvPr id="5" name="Номер слайда 4">
             <a:extLst>
               <a:ext uri="{FF2B5EF4-FFF2-40B4-BE49-F238E27FC236}">
-                <a16:creationId xmlns:a16="http://schemas.microsoft.com/office/drawing/2014/main" id="{D2C2E47C-5368-D268-5C23-7B25CED511A9}"/>
+                <a16:creationId xmlns:a16="http://schemas.microsoft.com/office/drawing/2014/main" id="{83EE6BDD-7BC3-0FEE-E354-E03A397131BA}"/>
               </a:ext>
             </a:extLst>
           </p:cNvPr>
@@ -2003,8 +2473,9 @@
           <a:bodyPr/>
           <a:lstStyle/>
           <a:p>
-            <a:fld id="{FDDF6F9C-71FD-4AA0-A594-011AC0626BBB}" type="slidenum">
+            <a:fld id="{26902790-3E08-4FEA-8771-743AE76A9645}" type="slidenum">
               <a:rPr lang="ru-RU" smtClean="0"/>
+              <a:pPr/>
               <a:t>‹#›</a:t>
             </a:fld>
             <a:endParaRPr lang="ru-RU"/>
@@ -2014,7 +2485,7 @@
     </p:spTree>
     <p:extLst>
       <p:ext uri="{BB962C8B-B14F-4D97-AF65-F5344CB8AC3E}">
-        <p14:creationId xmlns:p14="http://schemas.microsoft.com/office/powerpoint/2010/main" val="440917360"/>
+        <p14:creationId xmlns:p14="http://schemas.microsoft.com/office/powerpoint/2010/main" val="22186516"/>
       </p:ext>
     </p:extLst>
   </p:cSld>
@@ -2046,7 +2517,7 @@
           <p:cNvPr id="2" name="Дата 1">
             <a:extLst>
               <a:ext uri="{FF2B5EF4-FFF2-40B4-BE49-F238E27FC236}">
-                <a16:creationId xmlns:a16="http://schemas.microsoft.com/office/drawing/2014/main" id="{47D453B0-347F-E4AE-5238-C44A5129FD56}"/>
+                <a16:creationId xmlns:a16="http://schemas.microsoft.com/office/drawing/2014/main" id="{8FD02228-D347-1390-1055-352BACD2E9A9}"/>
               </a:ext>
             </a:extLst>
           </p:cNvPr>
@@ -2062,9 +2533,10 @@
           <a:bodyPr/>
           <a:lstStyle/>
           <a:p>
-            <a:fld id="{FD5832C8-61BE-471F-8BE9-D3201559EC12}" type="datetimeFigureOut">
+            <a:fld id="{0E1294B2-50B7-4ABD-87E3-796DEB1D1139}" type="datetime1">
               <a:rPr lang="ru-RU" smtClean="0"/>
-              <a:t>28.05.2024</a:t>
+              <a:pPr/>
+              <a:t>29.05.2024</a:t>
             </a:fld>
             <a:endParaRPr lang="ru-RU"/>
           </a:p>
@@ -2075,7 +2547,7 @@
           <p:cNvPr id="3" name="Нижний колонтитул 2">
             <a:extLst>
               <a:ext uri="{FF2B5EF4-FFF2-40B4-BE49-F238E27FC236}">
-                <a16:creationId xmlns:a16="http://schemas.microsoft.com/office/drawing/2014/main" id="{4031D350-EDED-CBF4-D9DE-FEFA96D13D56}"/>
+                <a16:creationId xmlns:a16="http://schemas.microsoft.com/office/drawing/2014/main" id="{25E2EDC2-129F-896F-6ED6-1735C928A35E}"/>
               </a:ext>
             </a:extLst>
           </p:cNvPr>
@@ -2100,7 +2572,7 @@
           <p:cNvPr id="4" name="Номер слайда 3">
             <a:extLst>
               <a:ext uri="{FF2B5EF4-FFF2-40B4-BE49-F238E27FC236}">
-                <a16:creationId xmlns:a16="http://schemas.microsoft.com/office/drawing/2014/main" id="{A0F526C5-DA8D-0E9C-AFDC-898EEA0448D2}"/>
+                <a16:creationId xmlns:a16="http://schemas.microsoft.com/office/drawing/2014/main" id="{09F5BCC4-53E6-DFBA-15DF-750B70CFE5D0}"/>
               </a:ext>
             </a:extLst>
           </p:cNvPr>
@@ -2116,8 +2588,9 @@
           <a:bodyPr/>
           <a:lstStyle/>
           <a:p>
-            <a:fld id="{FDDF6F9C-71FD-4AA0-A594-011AC0626BBB}" type="slidenum">
+            <a:fld id="{26902790-3E08-4FEA-8771-743AE76A9645}" type="slidenum">
               <a:rPr lang="ru-RU" smtClean="0"/>
+              <a:pPr/>
               <a:t>‹#›</a:t>
             </a:fld>
             <a:endParaRPr lang="ru-RU"/>
@@ -2127,7 +2600,7 @@
     </p:spTree>
     <p:extLst>
       <p:ext uri="{BB962C8B-B14F-4D97-AF65-F5344CB8AC3E}">
-        <p14:creationId xmlns:p14="http://schemas.microsoft.com/office/powerpoint/2010/main" val="729965260"/>
+        <p14:creationId xmlns:p14="http://schemas.microsoft.com/office/powerpoint/2010/main" val="869407436"/>
       </p:ext>
     </p:extLst>
   </p:cSld>
@@ -2159,7 +2632,7 @@
           <p:cNvPr id="2" name="Заголовок 1">
             <a:extLst>
               <a:ext uri="{FF2B5EF4-FFF2-40B4-BE49-F238E27FC236}">
-                <a16:creationId xmlns:a16="http://schemas.microsoft.com/office/drawing/2014/main" id="{5EDF7A4C-400B-BF36-1588-FE53E5F964C9}"/>
+                <a16:creationId xmlns:a16="http://schemas.microsoft.com/office/drawing/2014/main" id="{9875FFC2-8507-B604-FB34-AA2D317FCCAD}"/>
               </a:ext>
             </a:extLst>
           </p:cNvPr>
@@ -2172,15 +2645,15 @@
         </p:nvSpPr>
         <p:spPr>
           <a:xfrm>
-            <a:off x="839788" y="457200"/>
-            <a:ext cx="3932237" cy="1600200"/>
+            <a:off x="629841" y="457200"/>
+            <a:ext cx="2949178" cy="1600200"/>
           </a:xfrm>
         </p:spPr>
         <p:txBody>
           <a:bodyPr anchor="b"/>
           <a:lstStyle>
             <a:lvl1pPr>
-              <a:defRPr sz="3200"/>
+              <a:defRPr sz="2400"/>
             </a:lvl1pPr>
           </a:lstStyle>
           <a:p>
@@ -2196,7 +2669,7 @@
           <p:cNvPr id="3" name="Объект 2">
             <a:extLst>
               <a:ext uri="{FF2B5EF4-FFF2-40B4-BE49-F238E27FC236}">
-                <a16:creationId xmlns:a16="http://schemas.microsoft.com/office/drawing/2014/main" id="{9E892CE1-A8EA-CD08-5FAB-F5EBFBAE6E59}"/>
+                <a16:creationId xmlns:a16="http://schemas.microsoft.com/office/drawing/2014/main" id="{963D6C79-997B-405B-A1A7-E568C107FF9D}"/>
               </a:ext>
             </a:extLst>
           </p:cNvPr>
@@ -2209,39 +2682,39 @@
         </p:nvSpPr>
         <p:spPr>
           <a:xfrm>
-            <a:off x="5183188" y="987425"/>
-            <a:ext cx="6172200" cy="4873625"/>
+            <a:off x="3887391" y="987426"/>
+            <a:ext cx="4629150" cy="4873625"/>
           </a:xfrm>
         </p:spPr>
         <p:txBody>
           <a:bodyPr/>
           <a:lstStyle>
             <a:lvl1pPr>
-              <a:defRPr sz="3200"/>
+              <a:defRPr sz="2400"/>
             </a:lvl1pPr>
             <a:lvl2pPr>
-              <a:defRPr sz="2800"/>
+              <a:defRPr sz="2100"/>
             </a:lvl2pPr>
             <a:lvl3pPr>
-              <a:defRPr sz="2400"/>
+              <a:defRPr sz="1800"/>
             </a:lvl3pPr>
             <a:lvl4pPr>
-              <a:defRPr sz="2000"/>
+              <a:defRPr sz="1500"/>
             </a:lvl4pPr>
             <a:lvl5pPr>
-              <a:defRPr sz="2000"/>
+              <a:defRPr sz="1500"/>
             </a:lvl5pPr>
             <a:lvl6pPr>
-              <a:defRPr sz="2000"/>
+              <a:defRPr sz="1500"/>
             </a:lvl6pPr>
             <a:lvl7pPr>
-              <a:defRPr sz="2000"/>
+              <a:defRPr sz="1500"/>
             </a:lvl7pPr>
             <a:lvl8pPr>
-              <a:defRPr sz="2000"/>
+              <a:defRPr sz="1500"/>
             </a:lvl8pPr>
             <a:lvl9pPr>
-              <a:defRPr sz="2000"/>
+              <a:defRPr sz="1500"/>
             </a:lvl9pPr>
           </a:lstStyle>
           <a:p>
@@ -2286,7 +2759,7 @@
           <p:cNvPr id="4" name="Текст 3">
             <a:extLst>
               <a:ext uri="{FF2B5EF4-FFF2-40B4-BE49-F238E27FC236}">
-                <a16:creationId xmlns:a16="http://schemas.microsoft.com/office/drawing/2014/main" id="{DE27BC49-7255-8A34-543D-9817B1A981D2}"/>
+                <a16:creationId xmlns:a16="http://schemas.microsoft.com/office/drawing/2014/main" id="{58157990-BB71-5F1B-249F-AF459846A876}"/>
               </a:ext>
             </a:extLst>
           </p:cNvPr>
@@ -2299,8 +2772,8 @@
         </p:nvSpPr>
         <p:spPr>
           <a:xfrm>
-            <a:off x="839788" y="2057400"/>
-            <a:ext cx="3932237" cy="3811588"/>
+            <a:off x="629841" y="2057400"/>
+            <a:ext cx="2949178" cy="3811588"/>
           </a:xfrm>
         </p:spPr>
         <p:txBody>
@@ -2308,39 +2781,39 @@
           <a:lstStyle>
             <a:lvl1pPr marL="0" indent="0">
               <a:buNone/>
-              <a:defRPr sz="1600"/>
+              <a:defRPr sz="1200"/>
             </a:lvl1pPr>
-            <a:lvl2pPr marL="457200" indent="0">
-              <a:buNone/>
-              <a:defRPr sz="1400"/>
+            <a:lvl2pPr marL="342900" indent="0">
+              <a:buNone/>
+              <a:defRPr sz="1050"/>
             </a:lvl2pPr>
-            <a:lvl3pPr marL="914400" indent="0">
-              <a:buNone/>
-              <a:defRPr sz="1200"/>
+            <a:lvl3pPr marL="685800" indent="0">
+              <a:buNone/>
+              <a:defRPr sz="900"/>
             </a:lvl3pPr>
-            <a:lvl4pPr marL="1371600" indent="0">
-              <a:buNone/>
-              <a:defRPr sz="1000"/>
+            <a:lvl4pPr marL="1028700" indent="0">
+              <a:buNone/>
+              <a:defRPr sz="750"/>
             </a:lvl4pPr>
-            <a:lvl5pPr marL="1828800" indent="0">
-              <a:buNone/>
-              <a:defRPr sz="1000"/>
+            <a:lvl5pPr marL="1371600" indent="0">
+              <a:buNone/>
+              <a:defRPr sz="750"/>
             </a:lvl5pPr>
-            <a:lvl6pPr marL="2286000" indent="0">
-              <a:buNone/>
-              <a:defRPr sz="1000"/>
+            <a:lvl6pPr marL="1714500" indent="0">
+              <a:buNone/>
+              <a:defRPr sz="750"/>
             </a:lvl6pPr>
-            <a:lvl7pPr marL="2743200" indent="0">
-              <a:buNone/>
-              <a:defRPr sz="1000"/>
+            <a:lvl7pPr marL="2057400" indent="0">
+              <a:buNone/>
+              <a:defRPr sz="750"/>
             </a:lvl7pPr>
-            <a:lvl8pPr marL="3200400" indent="0">
-              <a:buNone/>
-              <a:defRPr sz="1000"/>
+            <a:lvl8pPr marL="2400300" indent="0">
+              <a:buNone/>
+              <a:defRPr sz="750"/>
             </a:lvl8pPr>
-            <a:lvl9pPr marL="3657600" indent="0">
-              <a:buNone/>
-              <a:defRPr sz="1000"/>
+            <a:lvl9pPr marL="2743200" indent="0">
+              <a:buNone/>
+              <a:defRPr sz="750"/>
             </a:lvl9pPr>
           </a:lstStyle>
           <a:p>
@@ -2357,7 +2830,7 @@
           <p:cNvPr id="5" name="Дата 4">
             <a:extLst>
               <a:ext uri="{FF2B5EF4-FFF2-40B4-BE49-F238E27FC236}">
-                <a16:creationId xmlns:a16="http://schemas.microsoft.com/office/drawing/2014/main" id="{A785C388-42C7-301A-426F-E64FDC44EC5B}"/>
+                <a16:creationId xmlns:a16="http://schemas.microsoft.com/office/drawing/2014/main" id="{62F18451-1F19-5871-3477-FF5CD799E7E6}"/>
               </a:ext>
             </a:extLst>
           </p:cNvPr>
@@ -2373,9 +2846,10 @@
           <a:bodyPr/>
           <a:lstStyle/>
           <a:p>
-            <a:fld id="{FD5832C8-61BE-471F-8BE9-D3201559EC12}" type="datetimeFigureOut">
+            <a:fld id="{AE5C9724-4B03-4679-B7F5-3B42644D8785}" type="datetime1">
               <a:rPr lang="ru-RU" smtClean="0"/>
-              <a:t>28.05.2024</a:t>
+              <a:pPr/>
+              <a:t>29.05.2024</a:t>
             </a:fld>
             <a:endParaRPr lang="ru-RU"/>
           </a:p>
@@ -2386,7 +2860,7 @@
           <p:cNvPr id="6" name="Нижний колонтитул 5">
             <a:extLst>
               <a:ext uri="{FF2B5EF4-FFF2-40B4-BE49-F238E27FC236}">
-                <a16:creationId xmlns:a16="http://schemas.microsoft.com/office/drawing/2014/main" id="{3B4E68BC-94E9-B8F9-54EF-49F8CE632F56}"/>
+                <a16:creationId xmlns:a16="http://schemas.microsoft.com/office/drawing/2014/main" id="{CF428435-33B9-691B-1E47-98D47A0CB159}"/>
               </a:ext>
             </a:extLst>
           </p:cNvPr>
@@ -2411,7 +2885,7 @@
           <p:cNvPr id="7" name="Номер слайда 6">
             <a:extLst>
               <a:ext uri="{FF2B5EF4-FFF2-40B4-BE49-F238E27FC236}">
-                <a16:creationId xmlns:a16="http://schemas.microsoft.com/office/drawing/2014/main" id="{1FB7A5F6-4803-E3FE-7DDC-7AB6481DFBFC}"/>
+                <a16:creationId xmlns:a16="http://schemas.microsoft.com/office/drawing/2014/main" id="{17790E12-3D7D-F1B3-C0B2-C8EA026840FD}"/>
               </a:ext>
             </a:extLst>
           </p:cNvPr>
@@ -2427,8 +2901,9 @@
           <a:bodyPr/>
           <a:lstStyle/>
           <a:p>
-            <a:fld id="{FDDF6F9C-71FD-4AA0-A594-011AC0626BBB}" type="slidenum">
+            <a:fld id="{26902790-3E08-4FEA-8771-743AE76A9645}" type="slidenum">
               <a:rPr lang="ru-RU" smtClean="0"/>
+              <a:pPr/>
               <a:t>‹#›</a:t>
             </a:fld>
             <a:endParaRPr lang="ru-RU"/>
@@ -2438,7 +2913,7 @@
     </p:spTree>
     <p:extLst>
       <p:ext uri="{BB962C8B-B14F-4D97-AF65-F5344CB8AC3E}">
-        <p14:creationId xmlns:p14="http://schemas.microsoft.com/office/powerpoint/2010/main" val="1422778487"/>
+        <p14:creationId xmlns:p14="http://schemas.microsoft.com/office/powerpoint/2010/main" val="3382994083"/>
       </p:ext>
     </p:extLst>
   </p:cSld>
@@ -2470,7 +2945,7 @@
           <p:cNvPr id="2" name="Заголовок 1">
             <a:extLst>
               <a:ext uri="{FF2B5EF4-FFF2-40B4-BE49-F238E27FC236}">
-                <a16:creationId xmlns:a16="http://schemas.microsoft.com/office/drawing/2014/main" id="{164225CA-8F38-5DA7-68E1-8994475F9294}"/>
+                <a16:creationId xmlns:a16="http://schemas.microsoft.com/office/drawing/2014/main" id="{BF18519E-7EAB-120B-167F-40E25E9215A8}"/>
               </a:ext>
             </a:extLst>
           </p:cNvPr>
@@ -2483,15 +2958,15 @@
         </p:nvSpPr>
         <p:spPr>
           <a:xfrm>
-            <a:off x="839788" y="457200"/>
-            <a:ext cx="3932237" cy="1600200"/>
+            <a:off x="629841" y="457200"/>
+            <a:ext cx="2949178" cy="1600200"/>
           </a:xfrm>
         </p:spPr>
         <p:txBody>
           <a:bodyPr anchor="b"/>
           <a:lstStyle>
             <a:lvl1pPr>
-              <a:defRPr sz="3200"/>
+              <a:defRPr sz="2400"/>
             </a:lvl1pPr>
           </a:lstStyle>
           <a:p>
@@ -2507,7 +2982,7 @@
           <p:cNvPr id="3" name="Рисунок 2">
             <a:extLst>
               <a:ext uri="{FF2B5EF4-FFF2-40B4-BE49-F238E27FC236}">
-                <a16:creationId xmlns:a16="http://schemas.microsoft.com/office/drawing/2014/main" id="{36B01F57-CB01-E9CC-0990-F3162C3A9973}"/>
+                <a16:creationId xmlns:a16="http://schemas.microsoft.com/office/drawing/2014/main" id="{ACD0F075-020A-A31F-C2E0-8E2B01488788}"/>
               </a:ext>
             </a:extLst>
           </p:cNvPr>
@@ -2520,8 +2995,8 @@
         </p:nvSpPr>
         <p:spPr>
           <a:xfrm>
-            <a:off x="5183188" y="987425"/>
-            <a:ext cx="6172200" cy="4873625"/>
+            <a:off x="3887391" y="987426"/>
+            <a:ext cx="4629150" cy="4873625"/>
           </a:xfrm>
         </p:spPr>
         <p:txBody>
@@ -2529,39 +3004,39 @@
           <a:lstStyle>
             <a:lvl1pPr marL="0" indent="0">
               <a:buNone/>
-              <a:defRPr sz="3200"/>
+              <a:defRPr sz="2400"/>
             </a:lvl1pPr>
-            <a:lvl2pPr marL="457200" indent="0">
-              <a:buNone/>
-              <a:defRPr sz="2800"/>
+            <a:lvl2pPr marL="342900" indent="0">
+              <a:buNone/>
+              <a:defRPr sz="2100"/>
             </a:lvl2pPr>
-            <a:lvl3pPr marL="914400" indent="0">
-              <a:buNone/>
-              <a:defRPr sz="2400"/>
+            <a:lvl3pPr marL="685800" indent="0">
+              <a:buNone/>
+              <a:defRPr sz="1800"/>
             </a:lvl3pPr>
-            <a:lvl4pPr marL="1371600" indent="0">
-              <a:buNone/>
-              <a:defRPr sz="2000"/>
+            <a:lvl4pPr marL="1028700" indent="0">
+              <a:buNone/>
+              <a:defRPr sz="1500"/>
             </a:lvl4pPr>
-            <a:lvl5pPr marL="1828800" indent="0">
-              <a:buNone/>
-              <a:defRPr sz="2000"/>
+            <a:lvl5pPr marL="1371600" indent="0">
+              <a:buNone/>
+              <a:defRPr sz="1500"/>
             </a:lvl5pPr>
-            <a:lvl6pPr marL="2286000" indent="0">
-              <a:buNone/>
-              <a:defRPr sz="2000"/>
+            <a:lvl6pPr marL="1714500" indent="0">
+              <a:buNone/>
+              <a:defRPr sz="1500"/>
             </a:lvl6pPr>
-            <a:lvl7pPr marL="2743200" indent="0">
-              <a:buNone/>
-              <a:defRPr sz="2000"/>
+            <a:lvl7pPr marL="2057400" indent="0">
+              <a:buNone/>
+              <a:defRPr sz="1500"/>
             </a:lvl7pPr>
-            <a:lvl8pPr marL="3200400" indent="0">
-              <a:buNone/>
-              <a:defRPr sz="2000"/>
+            <a:lvl8pPr marL="2400300" indent="0">
+              <a:buNone/>
+              <a:defRPr sz="1500"/>
             </a:lvl8pPr>
-            <a:lvl9pPr marL="3657600" indent="0">
-              <a:buNone/>
-              <a:defRPr sz="2000"/>
+            <a:lvl9pPr marL="2743200" indent="0">
+              <a:buNone/>
+              <a:defRPr sz="1500"/>
             </a:lvl9pPr>
           </a:lstStyle>
           <a:p>
@@ -2574,7 +3049,7 @@
           <p:cNvPr id="4" name="Текст 3">
             <a:extLst>
               <a:ext uri="{FF2B5EF4-FFF2-40B4-BE49-F238E27FC236}">
-                <a16:creationId xmlns:a16="http://schemas.microsoft.com/office/drawing/2014/main" id="{4478BDAC-664C-7698-8E3C-BD0823207EBF}"/>
+                <a16:creationId xmlns:a16="http://schemas.microsoft.com/office/drawing/2014/main" id="{E3EEF0BA-5A69-D55F-4F39-6F25F98E3994}"/>
               </a:ext>
             </a:extLst>
           </p:cNvPr>
@@ -2587,8 +3062,8 @@
         </p:nvSpPr>
         <p:spPr>
           <a:xfrm>
-            <a:off x="839788" y="2057400"/>
-            <a:ext cx="3932237" cy="3811588"/>
+            <a:off x="629841" y="2057400"/>
+            <a:ext cx="2949178" cy="3811588"/>
           </a:xfrm>
         </p:spPr>
         <p:txBody>
@@ -2596,39 +3071,39 @@
           <a:lstStyle>
             <a:lvl1pPr marL="0" indent="0">
               <a:buNone/>
-              <a:defRPr sz="1600"/>
+              <a:defRPr sz="1200"/>
             </a:lvl1pPr>
-            <a:lvl2pPr marL="457200" indent="0">
-              <a:buNone/>
-              <a:defRPr sz="1400"/>
+            <a:lvl2pPr marL="342900" indent="0">
+              <a:buNone/>
+              <a:defRPr sz="1050"/>
             </a:lvl2pPr>
-            <a:lvl3pPr marL="914400" indent="0">
-              <a:buNone/>
-              <a:defRPr sz="1200"/>
+            <a:lvl3pPr marL="685800" indent="0">
+              <a:buNone/>
+              <a:defRPr sz="900"/>
             </a:lvl3pPr>
-            <a:lvl4pPr marL="1371600" indent="0">
-              <a:buNone/>
-              <a:defRPr sz="1000"/>
+            <a:lvl4pPr marL="1028700" indent="0">
+              <a:buNone/>
+              <a:defRPr sz="750"/>
             </a:lvl4pPr>
-            <a:lvl5pPr marL="1828800" indent="0">
-              <a:buNone/>
-              <a:defRPr sz="1000"/>
+            <a:lvl5pPr marL="1371600" indent="0">
+              <a:buNone/>
+              <a:defRPr sz="750"/>
             </a:lvl5pPr>
-            <a:lvl6pPr marL="2286000" indent="0">
-              <a:buNone/>
-              <a:defRPr sz="1000"/>
+            <a:lvl6pPr marL="1714500" indent="0">
+              <a:buNone/>
+              <a:defRPr sz="750"/>
             </a:lvl6pPr>
-            <a:lvl7pPr marL="2743200" indent="0">
-              <a:buNone/>
-              <a:defRPr sz="1000"/>
+            <a:lvl7pPr marL="2057400" indent="0">
+              <a:buNone/>
+              <a:defRPr sz="750"/>
             </a:lvl7pPr>
-            <a:lvl8pPr marL="3200400" indent="0">
-              <a:buNone/>
-              <a:defRPr sz="1000"/>
+            <a:lvl8pPr marL="2400300" indent="0">
+              <a:buNone/>
+              <a:defRPr sz="750"/>
             </a:lvl8pPr>
-            <a:lvl9pPr marL="3657600" indent="0">
-              <a:buNone/>
-              <a:defRPr sz="1000"/>
+            <a:lvl9pPr marL="2743200" indent="0">
+              <a:buNone/>
+              <a:defRPr sz="750"/>
             </a:lvl9pPr>
           </a:lstStyle>
           <a:p>
@@ -2645,7 +3120,7 @@
           <p:cNvPr id="5" name="Дата 4">
             <a:extLst>
               <a:ext uri="{FF2B5EF4-FFF2-40B4-BE49-F238E27FC236}">
-                <a16:creationId xmlns:a16="http://schemas.microsoft.com/office/drawing/2014/main" id="{DF7D57CB-3368-B83B-4595-B54D3F6A14A8}"/>
+                <a16:creationId xmlns:a16="http://schemas.microsoft.com/office/drawing/2014/main" id="{12F831DF-F6C9-3A04-AE68-0BDD159A59B1}"/>
               </a:ext>
             </a:extLst>
           </p:cNvPr>
@@ -2661,9 +3136,10 @@
           <a:bodyPr/>
           <a:lstStyle/>
           <a:p>
-            <a:fld id="{FD5832C8-61BE-471F-8BE9-D3201559EC12}" type="datetimeFigureOut">
+            <a:fld id="{4289C589-53FE-4C71-83FA-9941F04D3EF1}" type="datetime1">
               <a:rPr lang="ru-RU" smtClean="0"/>
-              <a:t>28.05.2024</a:t>
+              <a:pPr/>
+              <a:t>29.05.2024</a:t>
             </a:fld>
             <a:endParaRPr lang="ru-RU"/>
           </a:p>
@@ -2674,7 +3150,7 @@
           <p:cNvPr id="6" name="Нижний колонтитул 5">
             <a:extLst>
               <a:ext uri="{FF2B5EF4-FFF2-40B4-BE49-F238E27FC236}">
-                <a16:creationId xmlns:a16="http://schemas.microsoft.com/office/drawing/2014/main" id="{A4E343D1-77B6-8966-F914-49819629151D}"/>
+                <a16:creationId xmlns:a16="http://schemas.microsoft.com/office/drawing/2014/main" id="{15A65773-7F31-6B22-FFCC-312BFD5EDB0D}"/>
               </a:ext>
             </a:extLst>
           </p:cNvPr>
@@ -2699,7 +3175,7 @@
           <p:cNvPr id="7" name="Номер слайда 6">
             <a:extLst>
               <a:ext uri="{FF2B5EF4-FFF2-40B4-BE49-F238E27FC236}">
-                <a16:creationId xmlns:a16="http://schemas.microsoft.com/office/drawing/2014/main" id="{254416B2-1CF0-04CC-D4D3-616C8A75CDAE}"/>
+                <a16:creationId xmlns:a16="http://schemas.microsoft.com/office/drawing/2014/main" id="{21335B2A-EBF7-8927-25C2-011506ED7639}"/>
               </a:ext>
             </a:extLst>
           </p:cNvPr>
@@ -2715,8 +3191,9 @@
           <a:bodyPr/>
           <a:lstStyle/>
           <a:p>
-            <a:fld id="{FDDF6F9C-71FD-4AA0-A594-011AC0626BBB}" type="slidenum">
+            <a:fld id="{26902790-3E08-4FEA-8771-743AE76A9645}" type="slidenum">
               <a:rPr lang="ru-RU" smtClean="0"/>
+              <a:pPr/>
               <a:t>‹#›</a:t>
             </a:fld>
             <a:endParaRPr lang="ru-RU"/>
@@ -2726,7 +3203,7 @@
     </p:spTree>
     <p:extLst>
       <p:ext uri="{BB962C8B-B14F-4D97-AF65-F5344CB8AC3E}">
-        <p14:creationId xmlns:p14="http://schemas.microsoft.com/office/powerpoint/2010/main" val="2960542285"/>
+        <p14:creationId xmlns:p14="http://schemas.microsoft.com/office/powerpoint/2010/main" val="3659234719"/>
       </p:ext>
     </p:extLst>
   </p:cSld>
@@ -2763,7 +3240,7 @@
           <p:cNvPr id="2" name="Заголовок 1">
             <a:extLst>
               <a:ext uri="{FF2B5EF4-FFF2-40B4-BE49-F238E27FC236}">
-                <a16:creationId xmlns:a16="http://schemas.microsoft.com/office/drawing/2014/main" id="{FAC3F420-5112-D1DB-5510-07E639877368}"/>
+                <a16:creationId xmlns:a16="http://schemas.microsoft.com/office/drawing/2014/main" id="{F1A21B2D-FC55-62F3-6AB8-F13B8118D73F}"/>
               </a:ext>
             </a:extLst>
           </p:cNvPr>
@@ -2776,8 +3253,8 @@
         </p:nvSpPr>
         <p:spPr>
           <a:xfrm>
-            <a:off x="838200" y="365125"/>
-            <a:ext cx="10515600" cy="1325563"/>
+            <a:off x="628650" y="365126"/>
+            <a:ext cx="7886700" cy="1325563"/>
           </a:xfrm>
           <a:prstGeom prst="rect">
             <a:avLst/>
@@ -2801,7 +3278,7 @@
           <p:cNvPr id="3" name="Текст 2">
             <a:extLst>
               <a:ext uri="{FF2B5EF4-FFF2-40B4-BE49-F238E27FC236}">
-                <a16:creationId xmlns:a16="http://schemas.microsoft.com/office/drawing/2014/main" id="{26DEB197-BD94-91A0-707C-A8800205BFB1}"/>
+                <a16:creationId xmlns:a16="http://schemas.microsoft.com/office/drawing/2014/main" id="{935F0640-66D7-AD6A-63A2-9BD36347C9FA}"/>
               </a:ext>
             </a:extLst>
           </p:cNvPr>
@@ -2814,8 +3291,8 @@
         </p:nvSpPr>
         <p:spPr>
           <a:xfrm>
-            <a:off x="838200" y="1825625"/>
-            <a:ext cx="10515600" cy="4351338"/>
+            <a:off x="628650" y="1825625"/>
+            <a:ext cx="7886700" cy="4351338"/>
           </a:xfrm>
           <a:prstGeom prst="rect">
             <a:avLst/>
@@ -2868,7 +3345,7 @@
           <p:cNvPr id="4" name="Дата 3">
             <a:extLst>
               <a:ext uri="{FF2B5EF4-FFF2-40B4-BE49-F238E27FC236}">
-                <a16:creationId xmlns:a16="http://schemas.microsoft.com/office/drawing/2014/main" id="{D4463B58-84C7-6A60-FAD5-B600385FBE81}"/>
+                <a16:creationId xmlns:a16="http://schemas.microsoft.com/office/drawing/2014/main" id="{2DE285CA-6EA0-0A60-9C1B-393C43F3FCB7}"/>
               </a:ext>
             </a:extLst>
           </p:cNvPr>
@@ -2881,8 +3358,8 @@
         </p:nvSpPr>
         <p:spPr>
           <a:xfrm>
-            <a:off x="838200" y="6356350"/>
-            <a:ext cx="2743200" cy="365125"/>
+            <a:off x="628650" y="6356351"/>
+            <a:ext cx="2057400" cy="365125"/>
           </a:xfrm>
           <a:prstGeom prst="rect">
             <a:avLst/>
@@ -2892,7 +3369,7 @@
           <a:bodyPr vert="horz" lIns="91440" tIns="45720" rIns="91440" bIns="45720" rtlCol="0" anchor="ctr"/>
           <a:lstStyle>
             <a:lvl1pPr algn="l">
-              <a:defRPr sz="1200">
+              <a:defRPr sz="900">
                 <a:solidFill>
                   <a:schemeClr val="tx1">
                     <a:tint val="75000"/>
@@ -2902,9 +3379,10 @@
             </a:lvl1pPr>
           </a:lstStyle>
           <a:p>
-            <a:fld id="{FD5832C8-61BE-471F-8BE9-D3201559EC12}" type="datetimeFigureOut">
+            <a:fld id="{3F4323B9-E39C-4C06-B9D9-F92E73549D4D}" type="datetime1">
               <a:rPr lang="ru-RU" smtClean="0"/>
-              <a:t>28.05.2024</a:t>
+              <a:pPr/>
+              <a:t>29.05.2024</a:t>
             </a:fld>
             <a:endParaRPr lang="ru-RU"/>
           </a:p>
@@ -2915,7 +3393,7 @@
           <p:cNvPr id="5" name="Нижний колонтитул 4">
             <a:extLst>
               <a:ext uri="{FF2B5EF4-FFF2-40B4-BE49-F238E27FC236}">
-                <a16:creationId xmlns:a16="http://schemas.microsoft.com/office/drawing/2014/main" id="{ED774820-2A8A-A02F-D93F-B9A33816AB29}"/>
+                <a16:creationId xmlns:a16="http://schemas.microsoft.com/office/drawing/2014/main" id="{BC9D3289-8E97-8CC2-5E31-49DCB6536694}"/>
               </a:ext>
             </a:extLst>
           </p:cNvPr>
@@ -2928,8 +3406,8 @@
         </p:nvSpPr>
         <p:spPr>
           <a:xfrm>
-            <a:off x="4038600" y="6356350"/>
-            <a:ext cx="4114800" cy="365125"/>
+            <a:off x="3028950" y="6356351"/>
+            <a:ext cx="3086100" cy="365125"/>
           </a:xfrm>
           <a:prstGeom prst="rect">
             <a:avLst/>
@@ -2939,7 +3417,7 @@
           <a:bodyPr vert="horz" lIns="91440" tIns="45720" rIns="91440" bIns="45720" rtlCol="0" anchor="ctr"/>
           <a:lstStyle>
             <a:lvl1pPr algn="ctr">
-              <a:defRPr sz="1200">
+              <a:defRPr sz="900">
                 <a:solidFill>
                   <a:schemeClr val="tx1">
                     <a:tint val="75000"/>
@@ -2958,7 +3436,7 @@
           <p:cNvPr id="6" name="Номер слайда 5">
             <a:extLst>
               <a:ext uri="{FF2B5EF4-FFF2-40B4-BE49-F238E27FC236}">
-                <a16:creationId xmlns:a16="http://schemas.microsoft.com/office/drawing/2014/main" id="{6FF0A1AA-7677-CC9D-E320-B75D25342C27}"/>
+                <a16:creationId xmlns:a16="http://schemas.microsoft.com/office/drawing/2014/main" id="{D8DCB490-5B08-78C9-D52C-A85ABDB08FFA}"/>
               </a:ext>
             </a:extLst>
           </p:cNvPr>
@@ -2971,8 +3449,8 @@
         </p:nvSpPr>
         <p:spPr>
           <a:xfrm>
-            <a:off x="8610600" y="6356350"/>
-            <a:ext cx="2743200" cy="365125"/>
+            <a:off x="6457950" y="6356351"/>
+            <a:ext cx="2057400" cy="365125"/>
           </a:xfrm>
           <a:prstGeom prst="rect">
             <a:avLst/>
@@ -2982,7 +3460,7 @@
           <a:bodyPr vert="horz" lIns="91440" tIns="45720" rIns="91440" bIns="45720" rtlCol="0" anchor="ctr"/>
           <a:lstStyle>
             <a:lvl1pPr algn="r">
-              <a:defRPr sz="1200">
+              <a:defRPr sz="900">
                 <a:solidFill>
                   <a:schemeClr val="tx1">
                     <a:tint val="75000"/>
@@ -2992,8 +3470,9 @@
             </a:lvl1pPr>
           </a:lstStyle>
           <a:p>
-            <a:fld id="{FDDF6F9C-71FD-4AA0-A594-011AC0626BBB}" type="slidenum">
+            <a:fld id="{26902790-3E08-4FEA-8771-743AE76A9645}" type="slidenum">
               <a:rPr lang="ru-RU" smtClean="0"/>
+              <a:pPr/>
               <a:t>‹#›</a:t>
             </a:fld>
             <a:endParaRPr lang="ru-RU"/>
@@ -3003,27 +3482,28 @@
     </p:spTree>
     <p:extLst>
       <p:ext uri="{BB962C8B-B14F-4D97-AF65-F5344CB8AC3E}">
-        <p14:creationId xmlns:p14="http://schemas.microsoft.com/office/powerpoint/2010/main" val="653404626"/>
+        <p14:creationId xmlns:p14="http://schemas.microsoft.com/office/powerpoint/2010/main" val="319234324"/>
       </p:ext>
     </p:extLst>
   </p:cSld>
   <p:clrMap bg1="lt1" tx1="dk1" bg2="lt2" tx2="dk2" accent1="accent1" accent2="accent2" accent3="accent3" accent4="accent4" accent5="accent5" accent6="accent6" hlink="hlink" folHlink="folHlink"/>
   <p:sldLayoutIdLst>
-    <p:sldLayoutId id="2147483649" r:id="rId1"/>
-    <p:sldLayoutId id="2147483650" r:id="rId2"/>
-    <p:sldLayoutId id="2147483651" r:id="rId3"/>
-    <p:sldLayoutId id="2147483652" r:id="rId4"/>
-    <p:sldLayoutId id="2147483653" r:id="rId5"/>
-    <p:sldLayoutId id="2147483654" r:id="rId6"/>
-    <p:sldLayoutId id="2147483655" r:id="rId7"/>
-    <p:sldLayoutId id="2147483656" r:id="rId8"/>
-    <p:sldLayoutId id="2147483657" r:id="rId9"/>
-    <p:sldLayoutId id="2147483658" r:id="rId10"/>
-    <p:sldLayoutId id="2147483659" r:id="rId11"/>
+    <p:sldLayoutId id="2147484177" r:id="rId1"/>
+    <p:sldLayoutId id="2147484178" r:id="rId2"/>
+    <p:sldLayoutId id="2147484179" r:id="rId3"/>
+    <p:sldLayoutId id="2147484180" r:id="rId4"/>
+    <p:sldLayoutId id="2147484181" r:id="rId5"/>
+    <p:sldLayoutId id="2147484182" r:id="rId6"/>
+    <p:sldLayoutId id="2147484183" r:id="rId7"/>
+    <p:sldLayoutId id="2147484184" r:id="rId8"/>
+    <p:sldLayoutId id="2147484185" r:id="rId9"/>
+    <p:sldLayoutId id="2147484186" r:id="rId10"/>
+    <p:sldLayoutId id="2147484187" r:id="rId11"/>
   </p:sldLayoutIdLst>
+  <p:hf hdr="0" ftr="0" dt="0"/>
   <p:txStyles>
     <p:titleStyle>
-      <a:lvl1pPr algn="l" defTabSz="914400" rtl="0" eaLnBrk="1" latinLnBrk="0" hangingPunct="1">
+      <a:lvl1pPr algn="l" defTabSz="685800" rtl="0" eaLnBrk="1" latinLnBrk="0" hangingPunct="1">
         <a:lnSpc>
           <a:spcPct val="90000"/>
         </a:lnSpc>
@@ -3031,7 +3511,7 @@
           <a:spcPct val="0"/>
         </a:spcBef>
         <a:buNone/>
-        <a:defRPr sz="4400" kern="1200">
+        <a:defRPr sz="3300" kern="1200">
           <a:solidFill>
             <a:schemeClr val="tx1"/>
           </a:solidFill>
@@ -3042,16 +3522,16 @@
       </a:lvl1pPr>
     </p:titleStyle>
     <p:bodyStyle>
-      <a:lvl1pPr marL="228600" indent="-228600" algn="l" defTabSz="914400" rtl="0" eaLnBrk="1" latinLnBrk="0" hangingPunct="1">
+      <a:lvl1pPr marL="171450" indent="-171450" algn="l" defTabSz="685800" rtl="0" eaLnBrk="1" latinLnBrk="0" hangingPunct="1">
         <a:lnSpc>
           <a:spcPct val="90000"/>
         </a:lnSpc>
         <a:spcBef>
-          <a:spcPts val="1000"/>
+          <a:spcPts val="750"/>
         </a:spcBef>
         <a:buFont typeface="Arial" panose="020B0604020202020204" pitchFamily="34" charset="0"/>
         <a:buChar char="•"/>
-        <a:defRPr sz="2800" kern="1200">
+        <a:defRPr sz="2100" kern="1200">
           <a:solidFill>
             <a:schemeClr val="tx1"/>
           </a:solidFill>
@@ -3060,48 +3540,12 @@
           <a:cs typeface="+mn-cs"/>
         </a:defRPr>
       </a:lvl1pPr>
-      <a:lvl2pPr marL="685800" indent="-228600" algn="l" defTabSz="914400" rtl="0" eaLnBrk="1" latinLnBrk="0" hangingPunct="1">
+      <a:lvl2pPr marL="514350" indent="-171450" algn="l" defTabSz="685800" rtl="0" eaLnBrk="1" latinLnBrk="0" hangingPunct="1">
         <a:lnSpc>
           <a:spcPct val="90000"/>
         </a:lnSpc>
         <a:spcBef>
-          <a:spcPts val="500"/>
-        </a:spcBef>
-        <a:buFont typeface="Arial" panose="020B0604020202020204" pitchFamily="34" charset="0"/>
-        <a:buChar char="•"/>
-        <a:defRPr sz="2400" kern="1200">
-          <a:solidFill>
-            <a:schemeClr val="tx1"/>
-          </a:solidFill>
-          <a:latin typeface="+mn-lt"/>
-          <a:ea typeface="+mn-ea"/>
-          <a:cs typeface="+mn-cs"/>
-        </a:defRPr>
-      </a:lvl2pPr>
-      <a:lvl3pPr marL="1143000" indent="-228600" algn="l" defTabSz="914400" rtl="0" eaLnBrk="1" latinLnBrk="0" hangingPunct="1">
-        <a:lnSpc>
-          <a:spcPct val="90000"/>
-        </a:lnSpc>
-        <a:spcBef>
-          <a:spcPts val="500"/>
-        </a:spcBef>
-        <a:buFont typeface="Arial" panose="020B0604020202020204" pitchFamily="34" charset="0"/>
-        <a:buChar char="•"/>
-        <a:defRPr sz="2000" kern="1200">
-          <a:solidFill>
-            <a:schemeClr val="tx1"/>
-          </a:solidFill>
-          <a:latin typeface="+mn-lt"/>
-          <a:ea typeface="+mn-ea"/>
-          <a:cs typeface="+mn-cs"/>
-        </a:defRPr>
-      </a:lvl3pPr>
-      <a:lvl4pPr marL="1600200" indent="-228600" algn="l" defTabSz="914400" rtl="0" eaLnBrk="1" latinLnBrk="0" hangingPunct="1">
-        <a:lnSpc>
-          <a:spcPct val="90000"/>
-        </a:lnSpc>
-        <a:spcBef>
-          <a:spcPts val="500"/>
+          <a:spcPts val="375"/>
         </a:spcBef>
         <a:buFont typeface="Arial" panose="020B0604020202020204" pitchFamily="34" charset="0"/>
         <a:buChar char="•"/>
@@ -3113,17 +3557,53 @@
           <a:ea typeface="+mn-ea"/>
           <a:cs typeface="+mn-cs"/>
         </a:defRPr>
-      </a:lvl4pPr>
-      <a:lvl5pPr marL="2057400" indent="-228600" algn="l" defTabSz="914400" rtl="0" eaLnBrk="1" latinLnBrk="0" hangingPunct="1">
+      </a:lvl2pPr>
+      <a:lvl3pPr marL="857250" indent="-171450" algn="l" defTabSz="685800" rtl="0" eaLnBrk="1" latinLnBrk="0" hangingPunct="1">
         <a:lnSpc>
           <a:spcPct val="90000"/>
         </a:lnSpc>
         <a:spcBef>
-          <a:spcPts val="500"/>
+          <a:spcPts val="375"/>
         </a:spcBef>
         <a:buFont typeface="Arial" panose="020B0604020202020204" pitchFamily="34" charset="0"/>
         <a:buChar char="•"/>
-        <a:defRPr sz="1800" kern="1200">
+        <a:defRPr sz="1500" kern="1200">
+          <a:solidFill>
+            <a:schemeClr val="tx1"/>
+          </a:solidFill>
+          <a:latin typeface="+mn-lt"/>
+          <a:ea typeface="+mn-ea"/>
+          <a:cs typeface="+mn-cs"/>
+        </a:defRPr>
+      </a:lvl3pPr>
+      <a:lvl4pPr marL="1200150" indent="-171450" algn="l" defTabSz="685800" rtl="0" eaLnBrk="1" latinLnBrk="0" hangingPunct="1">
+        <a:lnSpc>
+          <a:spcPct val="90000"/>
+        </a:lnSpc>
+        <a:spcBef>
+          <a:spcPts val="375"/>
+        </a:spcBef>
+        <a:buFont typeface="Arial" panose="020B0604020202020204" pitchFamily="34" charset="0"/>
+        <a:buChar char="•"/>
+        <a:defRPr sz="1350" kern="1200">
+          <a:solidFill>
+            <a:schemeClr val="tx1"/>
+          </a:solidFill>
+          <a:latin typeface="+mn-lt"/>
+          <a:ea typeface="+mn-ea"/>
+          <a:cs typeface="+mn-cs"/>
+        </a:defRPr>
+      </a:lvl4pPr>
+      <a:lvl5pPr marL="1543050" indent="-171450" algn="l" defTabSz="685800" rtl="0" eaLnBrk="1" latinLnBrk="0" hangingPunct="1">
+        <a:lnSpc>
+          <a:spcPct val="90000"/>
+        </a:lnSpc>
+        <a:spcBef>
+          <a:spcPts val="375"/>
+        </a:spcBef>
+        <a:buFont typeface="Arial" panose="020B0604020202020204" pitchFamily="34" charset="0"/>
+        <a:buChar char="•"/>
+        <a:defRPr sz="1350" kern="1200">
           <a:solidFill>
             <a:schemeClr val="tx1"/>
           </a:solidFill>
@@ -3132,16 +3612,16 @@
           <a:cs typeface="+mn-cs"/>
         </a:defRPr>
       </a:lvl5pPr>
-      <a:lvl6pPr marL="2514600" indent="-228600" algn="l" defTabSz="914400" rtl="0" eaLnBrk="1" latinLnBrk="0" hangingPunct="1">
+      <a:lvl6pPr marL="1885950" indent="-171450" algn="l" defTabSz="685800" rtl="0" eaLnBrk="1" latinLnBrk="0" hangingPunct="1">
         <a:lnSpc>
           <a:spcPct val="90000"/>
         </a:lnSpc>
         <a:spcBef>
-          <a:spcPts val="500"/>
+          <a:spcPts val="375"/>
         </a:spcBef>
         <a:buFont typeface="Arial" panose="020B0604020202020204" pitchFamily="34" charset="0"/>
         <a:buChar char="•"/>
-        <a:defRPr sz="1800" kern="1200">
+        <a:defRPr sz="1350" kern="1200">
           <a:solidFill>
             <a:schemeClr val="tx1"/>
           </a:solidFill>
@@ -3150,16 +3630,16 @@
           <a:cs typeface="+mn-cs"/>
         </a:defRPr>
       </a:lvl6pPr>
-      <a:lvl7pPr marL="2971800" indent="-228600" algn="l" defTabSz="914400" rtl="0" eaLnBrk="1" latinLnBrk="0" hangingPunct="1">
+      <a:lvl7pPr marL="2228850" indent="-171450" algn="l" defTabSz="685800" rtl="0" eaLnBrk="1" latinLnBrk="0" hangingPunct="1">
         <a:lnSpc>
           <a:spcPct val="90000"/>
         </a:lnSpc>
         <a:spcBef>
-          <a:spcPts val="500"/>
+          <a:spcPts val="375"/>
         </a:spcBef>
         <a:buFont typeface="Arial" panose="020B0604020202020204" pitchFamily="34" charset="0"/>
         <a:buChar char="•"/>
-        <a:defRPr sz="1800" kern="1200">
+        <a:defRPr sz="1350" kern="1200">
           <a:solidFill>
             <a:schemeClr val="tx1"/>
           </a:solidFill>
@@ -3168,16 +3648,16 @@
           <a:cs typeface="+mn-cs"/>
         </a:defRPr>
       </a:lvl7pPr>
-      <a:lvl8pPr marL="3429000" indent="-228600" algn="l" defTabSz="914400" rtl="0" eaLnBrk="1" latinLnBrk="0" hangingPunct="1">
+      <a:lvl8pPr marL="2571750" indent="-171450" algn="l" defTabSz="685800" rtl="0" eaLnBrk="1" latinLnBrk="0" hangingPunct="1">
         <a:lnSpc>
           <a:spcPct val="90000"/>
         </a:lnSpc>
         <a:spcBef>
-          <a:spcPts val="500"/>
+          <a:spcPts val="375"/>
         </a:spcBef>
         <a:buFont typeface="Arial" panose="020B0604020202020204" pitchFamily="34" charset="0"/>
         <a:buChar char="•"/>
-        <a:defRPr sz="1800" kern="1200">
+        <a:defRPr sz="1350" kern="1200">
           <a:solidFill>
             <a:schemeClr val="tx1"/>
           </a:solidFill>
@@ -3186,16 +3666,16 @@
           <a:cs typeface="+mn-cs"/>
         </a:defRPr>
       </a:lvl8pPr>
-      <a:lvl9pPr marL="3886200" indent="-228600" algn="l" defTabSz="914400" rtl="0" eaLnBrk="1" latinLnBrk="0" hangingPunct="1">
+      <a:lvl9pPr marL="2914650" indent="-171450" algn="l" defTabSz="685800" rtl="0" eaLnBrk="1" latinLnBrk="0" hangingPunct="1">
         <a:lnSpc>
           <a:spcPct val="90000"/>
         </a:lnSpc>
         <a:spcBef>
-          <a:spcPts val="500"/>
+          <a:spcPts val="375"/>
         </a:spcBef>
         <a:buFont typeface="Arial" panose="020B0604020202020204" pitchFamily="34" charset="0"/>
         <a:buChar char="•"/>
-        <a:defRPr sz="1800" kern="1200">
+        <a:defRPr sz="1350" kern="1200">
           <a:solidFill>
             <a:schemeClr val="tx1"/>
           </a:solidFill>
@@ -3209,8 +3689,8 @@
       <a:defPPr>
         <a:defRPr lang="ru-RU"/>
       </a:defPPr>
-      <a:lvl1pPr marL="0" algn="l" defTabSz="914400" rtl="0" eaLnBrk="1" latinLnBrk="0" hangingPunct="1">
-        <a:defRPr sz="1800" kern="1200">
+      <a:lvl1pPr marL="0" algn="l" defTabSz="685800" rtl="0" eaLnBrk="1" latinLnBrk="0" hangingPunct="1">
+        <a:defRPr sz="1350" kern="1200">
           <a:solidFill>
             <a:schemeClr val="tx1"/>
           </a:solidFill>
@@ -3219,8 +3699,8 @@
           <a:cs typeface="+mn-cs"/>
         </a:defRPr>
       </a:lvl1pPr>
-      <a:lvl2pPr marL="457200" algn="l" defTabSz="914400" rtl="0" eaLnBrk="1" latinLnBrk="0" hangingPunct="1">
-        <a:defRPr sz="1800" kern="1200">
+      <a:lvl2pPr marL="342900" algn="l" defTabSz="685800" rtl="0" eaLnBrk="1" latinLnBrk="0" hangingPunct="1">
+        <a:defRPr sz="1350" kern="1200">
           <a:solidFill>
             <a:schemeClr val="tx1"/>
           </a:solidFill>
@@ -3229,8 +3709,8 @@
           <a:cs typeface="+mn-cs"/>
         </a:defRPr>
       </a:lvl2pPr>
-      <a:lvl3pPr marL="914400" algn="l" defTabSz="914400" rtl="0" eaLnBrk="1" latinLnBrk="0" hangingPunct="1">
-        <a:defRPr sz="1800" kern="1200">
+      <a:lvl3pPr marL="685800" algn="l" defTabSz="685800" rtl="0" eaLnBrk="1" latinLnBrk="0" hangingPunct="1">
+        <a:defRPr sz="1350" kern="1200">
           <a:solidFill>
             <a:schemeClr val="tx1"/>
           </a:solidFill>
@@ -3239,8 +3719,8 @@
           <a:cs typeface="+mn-cs"/>
         </a:defRPr>
       </a:lvl3pPr>
-      <a:lvl4pPr marL="1371600" algn="l" defTabSz="914400" rtl="0" eaLnBrk="1" latinLnBrk="0" hangingPunct="1">
-        <a:defRPr sz="1800" kern="1200">
+      <a:lvl4pPr marL="1028700" algn="l" defTabSz="685800" rtl="0" eaLnBrk="1" latinLnBrk="0" hangingPunct="1">
+        <a:defRPr sz="1350" kern="1200">
           <a:solidFill>
             <a:schemeClr val="tx1"/>
           </a:solidFill>
@@ -3249,8 +3729,8 @@
           <a:cs typeface="+mn-cs"/>
         </a:defRPr>
       </a:lvl4pPr>
-      <a:lvl5pPr marL="1828800" algn="l" defTabSz="914400" rtl="0" eaLnBrk="1" latinLnBrk="0" hangingPunct="1">
-        <a:defRPr sz="1800" kern="1200">
+      <a:lvl5pPr marL="1371600" algn="l" defTabSz="685800" rtl="0" eaLnBrk="1" latinLnBrk="0" hangingPunct="1">
+        <a:defRPr sz="1350" kern="1200">
           <a:solidFill>
             <a:schemeClr val="tx1"/>
           </a:solidFill>
@@ -3259,8 +3739,8 @@
           <a:cs typeface="+mn-cs"/>
         </a:defRPr>
       </a:lvl5pPr>
-      <a:lvl6pPr marL="2286000" algn="l" defTabSz="914400" rtl="0" eaLnBrk="1" latinLnBrk="0" hangingPunct="1">
-        <a:defRPr sz="1800" kern="1200">
+      <a:lvl6pPr marL="1714500" algn="l" defTabSz="685800" rtl="0" eaLnBrk="1" latinLnBrk="0" hangingPunct="1">
+        <a:defRPr sz="1350" kern="1200">
           <a:solidFill>
             <a:schemeClr val="tx1"/>
           </a:solidFill>
@@ -3269,8 +3749,8 @@
           <a:cs typeface="+mn-cs"/>
         </a:defRPr>
       </a:lvl6pPr>
-      <a:lvl7pPr marL="2743200" algn="l" defTabSz="914400" rtl="0" eaLnBrk="1" latinLnBrk="0" hangingPunct="1">
-        <a:defRPr sz="1800" kern="1200">
+      <a:lvl7pPr marL="2057400" algn="l" defTabSz="685800" rtl="0" eaLnBrk="1" latinLnBrk="0" hangingPunct="1">
+        <a:defRPr sz="1350" kern="1200">
           <a:solidFill>
             <a:schemeClr val="tx1"/>
           </a:solidFill>
@@ -3279,8 +3759,8 @@
           <a:cs typeface="+mn-cs"/>
         </a:defRPr>
       </a:lvl7pPr>
-      <a:lvl8pPr marL="3200400" algn="l" defTabSz="914400" rtl="0" eaLnBrk="1" latinLnBrk="0" hangingPunct="1">
-        <a:defRPr sz="1800" kern="1200">
+      <a:lvl8pPr marL="2400300" algn="l" defTabSz="685800" rtl="0" eaLnBrk="1" latinLnBrk="0" hangingPunct="1">
+        <a:defRPr sz="1350" kern="1200">
           <a:solidFill>
             <a:schemeClr val="tx1"/>
           </a:solidFill>
@@ -3289,8 +3769,8 @@
           <a:cs typeface="+mn-cs"/>
         </a:defRPr>
       </a:lvl8pPr>
-      <a:lvl9pPr marL="3657600" algn="l" defTabSz="914400" rtl="0" eaLnBrk="1" latinLnBrk="0" hangingPunct="1">
-        <a:defRPr sz="1800" kern="1200">
+      <a:lvl9pPr marL="2743200" algn="l" defTabSz="685800" rtl="0" eaLnBrk="1" latinLnBrk="0" hangingPunct="1">
+        <a:defRPr sz="1350" kern="1200">
           <a:solidFill>
             <a:schemeClr val="tx1"/>
           </a:solidFill>
@@ -3323,64 +3803,1600 @@
       </p:grpSpPr>
       <p:sp>
         <p:nvSpPr>
-          <p:cNvPr id="2" name="Заголовок 1">
-            <a:extLst>
-              <a:ext uri="{FF2B5EF4-FFF2-40B4-BE49-F238E27FC236}">
-                <a16:creationId xmlns:a16="http://schemas.microsoft.com/office/drawing/2014/main" id="{7A5F7CE7-4650-37F7-8EAB-E6C8E7D5250B}"/>
-              </a:ext>
-            </a:extLst>
-          </p:cNvPr>
-          <p:cNvSpPr>
-            <a:spLocks noGrp="1"/>
-          </p:cNvSpPr>
-          <p:nvPr>
-            <p:ph type="ctrTitle"/>
-          </p:nvPr>
-        </p:nvSpPr>
-        <p:spPr/>
+          <p:cNvPr id="5" name="Заголовок 1"/>
+          <p:cNvSpPr txBox="1">
+            <a:spLocks/>
+          </p:cNvSpPr>
+          <p:nvPr/>
+        </p:nvSpPr>
+        <p:spPr>
+          <a:xfrm>
+            <a:off x="685800" y="1437571"/>
+            <a:ext cx="7772400" cy="839586"/>
+          </a:xfrm>
+          <a:prstGeom prst="rect">
+            <a:avLst/>
+          </a:prstGeom>
+        </p:spPr>
         <p:txBody>
           <a:bodyPr/>
           <a:lstStyle/>
           <a:p>
-            <a:endParaRPr lang="ru-RU"/>
-          </a:p>
-        </p:txBody>
-      </p:sp>
-      <p:sp>
-        <p:nvSpPr>
-          <p:cNvPr id="3" name="Подзаголовок 2">
-            <a:extLst>
-              <a:ext uri="{FF2B5EF4-FFF2-40B4-BE49-F238E27FC236}">
-                <a16:creationId xmlns:a16="http://schemas.microsoft.com/office/drawing/2014/main" id="{F5BE1369-ED7D-AFF1-0B83-6E367ED94265}"/>
-              </a:ext>
-            </a:extLst>
-          </p:cNvPr>
-          <p:cNvSpPr>
-            <a:spLocks noGrp="1"/>
-          </p:cNvSpPr>
-          <p:nvPr>
-            <p:ph type="subTitle" idx="1"/>
-          </p:nvPr>
-        </p:nvSpPr>
-        <p:spPr/>
+            <a:pPr marL="0" marR="0" lvl="0" indent="0" algn="ctr" defTabSz="914400" rtl="0" eaLnBrk="1" fontAlgn="base" latinLnBrk="0" hangingPunct="1">
+              <a:lnSpc>
+                <a:spcPct val="100000"/>
+              </a:lnSpc>
+              <a:spcBef>
+                <a:spcPct val="0"/>
+              </a:spcBef>
+              <a:spcAft>
+                <a:spcPct val="0"/>
+              </a:spcAft>
+              <a:buClrTx/>
+              <a:buSzTx/>
+              <a:buFontTx/>
+              <a:buNone/>
+              <a:tabLst/>
+              <a:defRPr/>
+            </a:pPr>
+            <a:r>
+              <a:rPr kumimoji="0" lang="ru-RU" sz="4600" b="0" i="0" u="none" strike="noStrike" kern="1200" cap="none" spc="0" normalizeH="0" baseline="0" noProof="0" dirty="0">
+                <a:ln>
+                  <a:noFill/>
+                </a:ln>
+                <a:effectLst>
+                  <a:outerShdw blurRad="38100" dist="38100" dir="2700000" algn="tl">
+                    <a:srgbClr val="000000">
+                      <a:alpha val="43137"/>
+                    </a:srgbClr>
+                  </a:outerShdw>
+                </a:effectLst>
+                <a:uLnTx/>
+                <a:uFillTx/>
+                <a:latin typeface="+mj-lt"/>
+                <a:ea typeface="+mj-ea"/>
+                <a:cs typeface="+mj-cs"/>
+              </a:rPr>
+              <a:t>Тема курсовой работы:</a:t>
+            </a:r>
+          </a:p>
+        </p:txBody>
+      </p:sp>
+      <p:sp>
+        <p:nvSpPr>
+          <p:cNvPr id="6" name="Подзаголовок 2"/>
+          <p:cNvSpPr txBox="1">
+            <a:spLocks/>
+          </p:cNvSpPr>
+          <p:nvPr/>
+        </p:nvSpPr>
+        <p:spPr>
+          <a:xfrm>
+            <a:off x="857224" y="2285992"/>
+            <a:ext cx="7770302" cy="2088232"/>
+          </a:xfrm>
+          <a:prstGeom prst="rect">
+            <a:avLst/>
+          </a:prstGeom>
+        </p:spPr>
         <p:txBody>
           <a:bodyPr/>
           <a:lstStyle/>
           <a:p>
-            <a:endParaRPr lang="ru-RU"/>
+            <a:pPr marL="419100" lvl="0" indent="-382588" algn="ctr" fontAlgn="base">
+              <a:spcBef>
+                <a:spcPct val="20000"/>
+              </a:spcBef>
+              <a:spcAft>
+                <a:spcPct val="0"/>
+              </a:spcAft>
+              <a:buClr>
+                <a:schemeClr val="accent1"/>
+              </a:buClr>
+              <a:buSzPct val="80000"/>
+              <a:defRPr/>
+            </a:pPr>
+            <a:r>
+              <a:rPr kumimoji="0" lang="ru-RU" sz="3000" b="1" i="0" u="none" strike="noStrike" kern="1200" cap="none" spc="0" normalizeH="0" baseline="0" noProof="0" dirty="0">
+                <a:ln>
+                  <a:noFill/>
+                </a:ln>
+                <a:effectLst/>
+                <a:uLnTx/>
+                <a:uFillTx/>
+                <a:latin typeface="+mn-lt"/>
+                <a:ea typeface="+mn-ea"/>
+                <a:cs typeface="+mn-cs"/>
+              </a:rPr>
+              <a:t>	</a:t>
+            </a:r>
+          </a:p>
+          <a:p>
+            <a:pPr marL="419100" lvl="0" indent="-382588" algn="ctr" fontAlgn="base">
+              <a:spcBef>
+                <a:spcPct val="20000"/>
+              </a:spcBef>
+              <a:spcAft>
+                <a:spcPct val="0"/>
+              </a:spcAft>
+              <a:buClr>
+                <a:schemeClr val="accent1"/>
+              </a:buClr>
+              <a:buSzPct val="80000"/>
+              <a:defRPr/>
+            </a:pPr>
+            <a:r>
+              <a:rPr kumimoji="0" lang="ru-RU" sz="3000" b="1" i="0" u="none" strike="noStrike" kern="1200" cap="none" spc="0" normalizeH="0" baseline="0" noProof="0" dirty="0">
+                <a:ln>
+                  <a:noFill/>
+                </a:ln>
+                <a:effectLst/>
+                <a:uLnTx/>
+                <a:uFillTx/>
+                <a:latin typeface="+mn-lt"/>
+                <a:ea typeface="+mn-ea"/>
+                <a:cs typeface="+mn-cs"/>
+              </a:rPr>
+              <a:t>«</a:t>
+            </a:r>
+            <a:r>
+              <a:rPr lang="ru-RU" sz="3000" b="1" dirty="0"/>
+              <a:t>Создание игры </a:t>
+            </a:r>
+            <a:r>
+              <a:rPr lang="en-US" sz="3000" b="1" dirty="0"/>
+              <a:t>“</a:t>
+            </a:r>
+            <a:r>
+              <a:rPr lang="en-US" sz="3000" b="1" dirty="0" err="1"/>
+              <a:t>Bomberman</a:t>
+            </a:r>
+            <a:r>
+              <a:rPr lang="en-US" sz="3000" b="1" dirty="0"/>
+              <a:t>”</a:t>
+            </a:r>
+            <a:endParaRPr kumimoji="0" lang="ru-RU" sz="3000" b="0" i="0" u="none" strike="noStrike" kern="1200" cap="none" spc="0" normalizeH="0" baseline="0" noProof="0" dirty="0">
+              <a:ln>
+                <a:noFill/>
+              </a:ln>
+              <a:effectLst/>
+              <a:uLnTx/>
+              <a:uFillTx/>
+              <a:latin typeface="+mn-lt"/>
+              <a:ea typeface="+mn-ea"/>
+              <a:cs typeface="+mn-cs"/>
+            </a:endParaRPr>
+          </a:p>
+        </p:txBody>
+      </p:sp>
+      <p:sp>
+        <p:nvSpPr>
+          <p:cNvPr id="8" name="TextBox 7"/>
+          <p:cNvSpPr txBox="1"/>
+          <p:nvPr/>
+        </p:nvSpPr>
+        <p:spPr>
+          <a:xfrm>
+            <a:off x="4215171" y="6366905"/>
+            <a:ext cx="649409" cy="307777"/>
+          </a:xfrm>
+          <a:prstGeom prst="rect">
+            <a:avLst/>
+          </a:prstGeom>
+          <a:noFill/>
+        </p:spPr>
+        <p:txBody>
+          <a:bodyPr wrap="none" rtlCol="0">
+            <a:spAutoFit/>
+          </a:bodyPr>
+          <a:lstStyle/>
+          <a:p>
+            <a:r>
+              <a:rPr lang="en-US" sz="1400" dirty="0"/>
+              <a:t>20</a:t>
+            </a:r>
+            <a:r>
+              <a:rPr lang="ru-RU" sz="1400" dirty="0"/>
+              <a:t>24г.</a:t>
+            </a:r>
+          </a:p>
+        </p:txBody>
+      </p:sp>
+      <p:sp>
+        <p:nvSpPr>
+          <p:cNvPr id="9" name="Прямоугольник 8"/>
+          <p:cNvSpPr/>
+          <p:nvPr/>
+        </p:nvSpPr>
+        <p:spPr>
+          <a:xfrm>
+            <a:off x="5572132" y="5000636"/>
+            <a:ext cx="3429024" cy="1338828"/>
+          </a:xfrm>
+          <a:prstGeom prst="rect">
+            <a:avLst/>
+          </a:prstGeom>
+        </p:spPr>
+        <p:txBody>
+          <a:bodyPr wrap="square">
+            <a:spAutoFit/>
+          </a:bodyPr>
+          <a:lstStyle/>
+          <a:p>
+            <a:pPr lvl="0" algn="r" fontAlgn="base">
+              <a:lnSpc>
+                <a:spcPct val="150000"/>
+              </a:lnSpc>
+              <a:spcBef>
+                <a:spcPct val="0"/>
+              </a:spcBef>
+              <a:spcAft>
+                <a:spcPct val="0"/>
+              </a:spcAft>
+              <a:defRPr/>
+            </a:pPr>
+            <a:r>
+              <a:rPr lang="ru-RU" dirty="0">
+                <a:effectLst>
+                  <a:outerShdw blurRad="38100" dist="38100" dir="2700000" algn="tl">
+                    <a:srgbClr val="000000">
+                      <a:alpha val="43137"/>
+                    </a:srgbClr>
+                  </a:outerShdw>
+                </a:effectLst>
+              </a:rPr>
+              <a:t>Работу выполнил</a:t>
+            </a:r>
+            <a:r>
+              <a:rPr lang="en-US" dirty="0">
+                <a:effectLst>
+                  <a:outerShdw blurRad="38100" dist="38100" dir="2700000" algn="tl">
+                    <a:srgbClr val="000000">
+                      <a:alpha val="43137"/>
+                    </a:srgbClr>
+                  </a:outerShdw>
+                </a:effectLst>
+              </a:rPr>
+              <a:t>:</a:t>
+            </a:r>
+          </a:p>
+          <a:p>
+            <a:pPr lvl="0" algn="r" fontAlgn="base">
+              <a:lnSpc>
+                <a:spcPct val="150000"/>
+              </a:lnSpc>
+              <a:spcBef>
+                <a:spcPct val="0"/>
+              </a:spcBef>
+              <a:spcAft>
+                <a:spcPct val="0"/>
+              </a:spcAft>
+              <a:defRPr/>
+            </a:pPr>
+            <a:r>
+              <a:rPr lang="ru-RU" dirty="0">
+                <a:effectLst>
+                  <a:outerShdw blurRad="38100" dist="38100" dir="2700000" algn="tl">
+                    <a:srgbClr val="000000">
+                      <a:alpha val="43137"/>
+                    </a:srgbClr>
+                  </a:outerShdw>
+                </a:effectLst>
+              </a:rPr>
+              <a:t> студент группы АУБП-22-1</a:t>
+            </a:r>
+            <a:endParaRPr lang="en-US" dirty="0">
+              <a:effectLst>
+                <a:outerShdw blurRad="38100" dist="38100" dir="2700000" algn="tl">
+                  <a:srgbClr val="000000">
+                    <a:alpha val="43137"/>
+                  </a:srgbClr>
+                </a:outerShdw>
+              </a:effectLst>
+            </a:endParaRPr>
+          </a:p>
+          <a:p>
+            <a:pPr lvl="0" algn="r" fontAlgn="base">
+              <a:lnSpc>
+                <a:spcPct val="150000"/>
+              </a:lnSpc>
+              <a:spcBef>
+                <a:spcPct val="0"/>
+              </a:spcBef>
+              <a:spcAft>
+                <a:spcPct val="0"/>
+              </a:spcAft>
+              <a:defRPr/>
+            </a:pPr>
+            <a:r>
+              <a:rPr lang="ru-RU" dirty="0">
+                <a:effectLst>
+                  <a:outerShdw blurRad="38100" dist="38100" dir="2700000" algn="tl">
+                    <a:srgbClr val="000000">
+                      <a:alpha val="43137"/>
+                    </a:srgbClr>
+                  </a:outerShdw>
+                </a:effectLst>
+              </a:rPr>
+              <a:t>Романов Н.С.</a:t>
+            </a:r>
           </a:p>
         </p:txBody>
       </p:sp>
     </p:spTree>
-    <p:extLst>
-      <p:ext uri="{BB962C8B-B14F-4D97-AF65-F5344CB8AC3E}">
-        <p14:creationId xmlns:p14="http://schemas.microsoft.com/office/powerpoint/2010/main" val="67780276"/>
-      </p:ext>
-    </p:extLst>
   </p:cSld>
   <p:clrMapOvr>
     <a:masterClrMapping/>
   </p:clrMapOvr>
+  <p:transition>
+    <p:newsflash/>
+  </p:transition>
+</p:sld>
+</file>
+
+<file path=ppt/slides/slide2.xml><?xml version="1.0" encoding="utf-8"?>
+<p:sld xmlns:a="http://schemas.openxmlformats.org/drawingml/2006/main" xmlns:r="http://schemas.openxmlformats.org/officeDocument/2006/relationships" xmlns:p="http://schemas.openxmlformats.org/presentationml/2006/main">
+  <p:cSld>
+    <p:spTree>
+      <p:nvGrpSpPr>
+        <p:cNvPr id="1" name=""/>
+        <p:cNvGrpSpPr/>
+        <p:nvPr/>
+      </p:nvGrpSpPr>
+      <p:grpSpPr>
+        <a:xfrm>
+          <a:off x="0" y="0"/>
+          <a:ext cx="0" cy="0"/>
+          <a:chOff x="0" y="0"/>
+          <a:chExt cx="0" cy="0"/>
+        </a:xfrm>
+      </p:grpSpPr>
+      <p:sp>
+        <p:nvSpPr>
+          <p:cNvPr id="2" name="Заголовок 1"/>
+          <p:cNvSpPr>
+            <a:spLocks noGrp="1"/>
+          </p:cNvSpPr>
+          <p:nvPr>
+            <p:ph type="title"/>
+          </p:nvPr>
+        </p:nvSpPr>
+        <p:spPr>
+          <a:xfrm>
+            <a:off x="611560" y="260648"/>
+            <a:ext cx="7467600" cy="1082660"/>
+          </a:xfrm>
+        </p:spPr>
+        <p:txBody>
+          <a:bodyPr>
+            <a:normAutofit/>
+          </a:bodyPr>
+          <a:lstStyle/>
+          <a:p>
+            <a:pPr algn="ctr"/>
+            <a:r>
+              <a:rPr lang="ru-RU" sz="4000" dirty="0">
+                <a:effectLst>
+                  <a:outerShdw blurRad="38100" dist="38100" dir="2700000" algn="tl">
+                    <a:srgbClr val="000000">
+                      <a:alpha val="43137"/>
+                    </a:srgbClr>
+                  </a:outerShdw>
+                </a:effectLst>
+                <a:latin typeface="Times New Roman" pitchFamily="18" charset="0"/>
+                <a:cs typeface="Times New Roman" pitchFamily="18" charset="0"/>
+              </a:rPr>
+              <a:t>  Цель работы</a:t>
+            </a:r>
+            <a:r>
+              <a:rPr lang="en-US" sz="4000" dirty="0">
+                <a:effectLst>
+                  <a:outerShdw blurRad="38100" dist="38100" dir="2700000" algn="tl">
+                    <a:srgbClr val="000000">
+                      <a:alpha val="43137"/>
+                    </a:srgbClr>
+                  </a:outerShdw>
+                </a:effectLst>
+                <a:latin typeface="Times New Roman" pitchFamily="18" charset="0"/>
+                <a:cs typeface="Times New Roman" pitchFamily="18" charset="0"/>
+              </a:rPr>
+              <a:t>:</a:t>
+            </a:r>
+            <a:endParaRPr lang="ru-RU" sz="4000" dirty="0">
+              <a:effectLst>
+                <a:outerShdw blurRad="38100" dist="38100" dir="2700000" algn="tl">
+                  <a:srgbClr val="000000">
+                    <a:alpha val="43137"/>
+                  </a:srgbClr>
+                </a:outerShdw>
+              </a:effectLst>
+            </a:endParaRPr>
+          </a:p>
+        </p:txBody>
+      </p:sp>
+      <p:sp>
+        <p:nvSpPr>
+          <p:cNvPr id="3" name="Содержимое 2"/>
+          <p:cNvSpPr>
+            <a:spLocks noGrp="1"/>
+          </p:cNvSpPr>
+          <p:nvPr>
+            <p:ph idx="1"/>
+          </p:nvPr>
+        </p:nvSpPr>
+        <p:spPr>
+          <a:xfrm>
+            <a:off x="506401" y="1412776"/>
+            <a:ext cx="8001056" cy="2686056"/>
+          </a:xfrm>
+        </p:spPr>
+        <p:txBody>
+          <a:bodyPr>
+            <a:normAutofit/>
+          </a:bodyPr>
+          <a:lstStyle/>
+          <a:p>
+            <a:pPr algn="ctr">
+              <a:lnSpc>
+                <a:spcPct val="160000"/>
+              </a:lnSpc>
+              <a:buNone/>
+            </a:pPr>
+            <a:r>
+              <a:rPr lang="ru-RU" sz="1800" kern="0" dirty="0">
+                <a:solidFill>
+                  <a:srgbClr val="000000"/>
+                </a:solidFill>
+                <a:effectLst/>
+                <a:latin typeface="Times New Roman" panose="02020603050405020304" pitchFamily="18" charset="0"/>
+                <a:ea typeface="Calibri" panose="020F0502020204030204" pitchFamily="34" charset="0"/>
+              </a:rPr>
+              <a:t>Реализовать классическую игру «</a:t>
+            </a:r>
+            <a:r>
+              <a:rPr lang="ru-RU" sz="1800" kern="0" dirty="0" err="1">
+                <a:solidFill>
+                  <a:srgbClr val="000000"/>
+                </a:solidFill>
+                <a:effectLst/>
+                <a:latin typeface="Times New Roman" panose="02020603050405020304" pitchFamily="18" charset="0"/>
+                <a:ea typeface="Calibri" panose="020F0502020204030204" pitchFamily="34" charset="0"/>
+              </a:rPr>
+              <a:t>Bomberman</a:t>
+            </a:r>
+            <a:r>
+              <a:rPr lang="ru-RU" sz="1800" kern="0" dirty="0">
+                <a:solidFill>
+                  <a:srgbClr val="000000"/>
+                </a:solidFill>
+                <a:effectLst/>
+                <a:latin typeface="Times New Roman" panose="02020603050405020304" pitchFamily="18" charset="0"/>
+                <a:ea typeface="Calibri" panose="020F0502020204030204" pitchFamily="34" charset="0"/>
+              </a:rPr>
+              <a:t>»</a:t>
+            </a:r>
+            <a:endParaRPr lang="ru-RU" sz="2800" dirty="0">
+              <a:latin typeface="Times New Roman" pitchFamily="18" charset="0"/>
+              <a:cs typeface="Times New Roman" pitchFamily="18" charset="0"/>
+            </a:endParaRPr>
+          </a:p>
+        </p:txBody>
+      </p:sp>
+      <p:sp>
+        <p:nvSpPr>
+          <p:cNvPr id="4" name="Номер слайда 3"/>
+          <p:cNvSpPr>
+            <a:spLocks noGrp="1"/>
+          </p:cNvSpPr>
+          <p:nvPr>
+            <p:ph type="sldNum" sz="quarter" idx="12"/>
+          </p:nvPr>
+        </p:nvSpPr>
+        <p:spPr/>
+        <p:txBody>
+          <a:bodyPr/>
+          <a:lstStyle/>
+          <a:p>
+            <a:fld id="{26902790-3E08-4FEA-8771-743AE76A9645}" type="slidenum">
+              <a:rPr lang="ru-RU" smtClean="0"/>
+              <a:pPr/>
+              <a:t>2</a:t>
+            </a:fld>
+            <a:endParaRPr lang="ru-RU"/>
+          </a:p>
+        </p:txBody>
+      </p:sp>
+      <p:pic>
+        <p:nvPicPr>
+          <p:cNvPr id="6" name="Рисунок 5">
+            <a:extLst>
+              <a:ext uri="{FF2B5EF4-FFF2-40B4-BE49-F238E27FC236}">
+                <a16:creationId xmlns:a16="http://schemas.microsoft.com/office/drawing/2014/main" id="{821F705F-104B-5F21-9C80-68BE28D9D9C7}"/>
+              </a:ext>
+            </a:extLst>
+          </p:cNvPr>
+          <p:cNvPicPr>
+            <a:picLocks noChangeAspect="1"/>
+          </p:cNvPicPr>
+          <p:nvPr/>
+        </p:nvPicPr>
+        <p:blipFill>
+          <a:blip r:embed="rId2">
+            <a:extLst>
+              <a:ext uri="{28A0092B-C50C-407E-A947-70E740481C1C}">
+                <a14:useLocalDpi xmlns:a14="http://schemas.microsoft.com/office/drawing/2010/main" val="0"/>
+              </a:ext>
+            </a:extLst>
+          </a:blip>
+          <a:stretch>
+            <a:fillRect/>
+          </a:stretch>
+        </p:blipFill>
+        <p:spPr>
+          <a:xfrm>
+            <a:off x="2184424" y="2209365"/>
+            <a:ext cx="4680520" cy="4387987"/>
+          </a:xfrm>
+          <a:prstGeom prst="rect">
+            <a:avLst/>
+          </a:prstGeom>
+        </p:spPr>
+      </p:pic>
+    </p:spTree>
+  </p:cSld>
+  <p:clrMapOvr>
+    <a:masterClrMapping/>
+  </p:clrMapOvr>
+  <p:transition>
+    <p:dissolve/>
+  </p:transition>
+</p:sld>
+</file>
+
+<file path=ppt/slides/slide3.xml><?xml version="1.0" encoding="utf-8"?>
+<p:sld xmlns:a="http://schemas.openxmlformats.org/drawingml/2006/main" xmlns:r="http://schemas.openxmlformats.org/officeDocument/2006/relationships" xmlns:p="http://schemas.openxmlformats.org/presentationml/2006/main">
+  <p:cSld>
+    <p:spTree>
+      <p:nvGrpSpPr>
+        <p:cNvPr id="1" name=""/>
+        <p:cNvGrpSpPr/>
+        <p:nvPr/>
+      </p:nvGrpSpPr>
+      <p:grpSpPr>
+        <a:xfrm>
+          <a:off x="0" y="0"/>
+          <a:ext cx="0" cy="0"/>
+          <a:chOff x="0" y="0"/>
+          <a:chExt cx="0" cy="0"/>
+        </a:xfrm>
+      </p:grpSpPr>
+      <p:sp>
+        <p:nvSpPr>
+          <p:cNvPr id="2" name="Заголовок 1"/>
+          <p:cNvSpPr>
+            <a:spLocks noGrp="1"/>
+          </p:cNvSpPr>
+          <p:nvPr>
+            <p:ph type="title"/>
+          </p:nvPr>
+        </p:nvSpPr>
+        <p:spPr/>
+        <p:txBody>
+          <a:bodyPr>
+            <a:normAutofit/>
+          </a:bodyPr>
+          <a:lstStyle/>
+          <a:p>
+            <a:pPr algn="ctr"/>
+            <a:r>
+              <a:rPr lang="ru-RU" sz="4000" dirty="0">
+                <a:effectLst>
+                  <a:outerShdw blurRad="38100" dist="38100" dir="2700000" algn="tl">
+                    <a:srgbClr val="000000">
+                      <a:alpha val="43137"/>
+                    </a:srgbClr>
+                  </a:outerShdw>
+                </a:effectLst>
+                <a:latin typeface="Times New Roman" pitchFamily="18" charset="0"/>
+                <a:cs typeface="Times New Roman" pitchFamily="18" charset="0"/>
+              </a:rPr>
+              <a:t>Пару слов о самой игре</a:t>
+            </a:r>
+            <a:endParaRPr lang="ru-RU" sz="4000" dirty="0"/>
+          </a:p>
+        </p:txBody>
+      </p:sp>
+      <p:sp>
+        <p:nvSpPr>
+          <p:cNvPr id="4" name="Номер слайда 3"/>
+          <p:cNvSpPr>
+            <a:spLocks noGrp="1"/>
+          </p:cNvSpPr>
+          <p:nvPr>
+            <p:ph type="sldNum" sz="quarter" idx="12"/>
+          </p:nvPr>
+        </p:nvSpPr>
+        <p:spPr/>
+        <p:txBody>
+          <a:bodyPr/>
+          <a:lstStyle/>
+          <a:p>
+            <a:fld id="{26902790-3E08-4FEA-8771-743AE76A9645}" type="slidenum">
+              <a:rPr lang="ru-RU" smtClean="0"/>
+              <a:pPr/>
+              <a:t>3</a:t>
+            </a:fld>
+            <a:endParaRPr lang="ru-RU"/>
+          </a:p>
+        </p:txBody>
+      </p:sp>
+      <p:sp>
+        <p:nvSpPr>
+          <p:cNvPr id="6" name="Объект 5">
+            <a:extLst>
+              <a:ext uri="{FF2B5EF4-FFF2-40B4-BE49-F238E27FC236}">
+                <a16:creationId xmlns:a16="http://schemas.microsoft.com/office/drawing/2014/main" id="{A334BCF8-F344-5296-F6C6-D23798E6F929}"/>
+              </a:ext>
+            </a:extLst>
+          </p:cNvPr>
+          <p:cNvSpPr>
+            <a:spLocks noGrp="1"/>
+          </p:cNvSpPr>
+          <p:nvPr>
+            <p:ph idx="1"/>
+          </p:nvPr>
+        </p:nvSpPr>
+        <p:spPr/>
+        <p:txBody>
+          <a:bodyPr/>
+          <a:lstStyle/>
+          <a:p>
+            <a:endParaRPr lang="ru-RU"/>
+          </a:p>
+        </p:txBody>
+      </p:sp>
+      <p:pic>
+        <p:nvPicPr>
+          <p:cNvPr id="1026" name="Picture 2" descr="Picture background">
+            <a:extLst>
+              <a:ext uri="{FF2B5EF4-FFF2-40B4-BE49-F238E27FC236}">
+                <a16:creationId xmlns:a16="http://schemas.microsoft.com/office/drawing/2014/main" id="{805AC012-22B4-8F11-BB79-8F71195D9215}"/>
+              </a:ext>
+            </a:extLst>
+          </p:cNvPr>
+          <p:cNvPicPr>
+            <a:picLocks noChangeAspect="1" noChangeArrowheads="1"/>
+          </p:cNvPicPr>
+          <p:nvPr/>
+        </p:nvPicPr>
+        <p:blipFill>
+          <a:blip r:embed="rId2">
+            <a:extLst>
+              <a:ext uri="{28A0092B-C50C-407E-A947-70E740481C1C}">
+                <a14:useLocalDpi xmlns:a14="http://schemas.microsoft.com/office/drawing/2010/main" val="0"/>
+              </a:ext>
+            </a:extLst>
+          </a:blip>
+          <a:srcRect/>
+          <a:stretch>
+            <a:fillRect/>
+          </a:stretch>
+        </p:blipFill>
+        <p:spPr bwMode="auto">
+          <a:xfrm>
+            <a:off x="1821237" y="2085789"/>
+            <a:ext cx="5501525" cy="3831010"/>
+          </a:xfrm>
+          <a:prstGeom prst="rect">
+            <a:avLst/>
+          </a:prstGeom>
+          <a:noFill/>
+          <a:extLst>
+            <a:ext uri="{909E8E84-426E-40DD-AFC4-6F175D3DCCD1}">
+              <a14:hiddenFill xmlns:a14="http://schemas.microsoft.com/office/drawing/2010/main">
+                <a:solidFill>
+                  <a:srgbClr val="FFFFFF"/>
+                </a:solidFill>
+              </a14:hiddenFill>
+            </a:ext>
+          </a:extLst>
+        </p:spPr>
+      </p:pic>
+    </p:spTree>
+  </p:cSld>
+  <p:clrMapOvr>
+    <a:masterClrMapping/>
+  </p:clrMapOvr>
+  <p:transition>
+    <p:wheel spokes="8"/>
+  </p:transition>
+</p:sld>
+</file>
+
+<file path=ppt/slides/slide4.xml><?xml version="1.0" encoding="utf-8"?>
+<p:sld xmlns:a="http://schemas.openxmlformats.org/drawingml/2006/main" xmlns:r="http://schemas.openxmlformats.org/officeDocument/2006/relationships" xmlns:p="http://schemas.openxmlformats.org/presentationml/2006/main">
+  <p:cSld>
+    <p:spTree>
+      <p:nvGrpSpPr>
+        <p:cNvPr id="1" name=""/>
+        <p:cNvGrpSpPr/>
+        <p:nvPr/>
+      </p:nvGrpSpPr>
+      <p:grpSpPr>
+        <a:xfrm>
+          <a:off x="0" y="0"/>
+          <a:ext cx="0" cy="0"/>
+          <a:chOff x="0" y="0"/>
+          <a:chExt cx="0" cy="0"/>
+        </a:xfrm>
+      </p:grpSpPr>
+      <p:sp>
+        <p:nvSpPr>
+          <p:cNvPr id="2" name="Заголовок 1"/>
+          <p:cNvSpPr>
+            <a:spLocks noGrp="1"/>
+          </p:cNvSpPr>
+          <p:nvPr>
+            <p:ph type="title"/>
+          </p:nvPr>
+        </p:nvSpPr>
+        <p:spPr/>
+        <p:txBody>
+          <a:bodyPr>
+            <a:normAutofit/>
+          </a:bodyPr>
+          <a:lstStyle/>
+          <a:p>
+            <a:pPr algn="ctr"/>
+            <a:r>
+              <a:rPr lang="ru-RU" sz="4800" dirty="0">
+                <a:effectLst>
+                  <a:outerShdw blurRad="38100" dist="38100" dir="2700000" algn="tl">
+                    <a:srgbClr val="000000">
+                      <a:alpha val="43137"/>
+                    </a:srgbClr>
+                  </a:outerShdw>
+                </a:effectLst>
+                <a:latin typeface="Times New Roman" pitchFamily="18" charset="0"/>
+                <a:cs typeface="Times New Roman" pitchFamily="18" charset="0"/>
+              </a:rPr>
+              <a:t>Основные задачи</a:t>
+            </a:r>
+            <a:endParaRPr lang="ru-RU" sz="4800" dirty="0">
+              <a:effectLst>
+                <a:outerShdw blurRad="38100" dist="38100" dir="2700000" algn="tl">
+                  <a:srgbClr val="000000">
+                    <a:alpha val="43137"/>
+                  </a:srgbClr>
+                </a:outerShdw>
+              </a:effectLst>
+            </a:endParaRPr>
+          </a:p>
+        </p:txBody>
+      </p:sp>
+      <p:sp>
+        <p:nvSpPr>
+          <p:cNvPr id="3" name="Содержимое 2"/>
+          <p:cNvSpPr>
+            <a:spLocks noGrp="1"/>
+          </p:cNvSpPr>
+          <p:nvPr>
+            <p:ph idx="1"/>
+          </p:nvPr>
+        </p:nvSpPr>
+        <p:spPr>
+          <a:xfrm>
+            <a:off x="928662" y="1714488"/>
+            <a:ext cx="7715200" cy="4873752"/>
+          </a:xfrm>
+        </p:spPr>
+        <p:txBody>
+          <a:bodyPr>
+            <a:normAutofit/>
+          </a:bodyPr>
+          <a:lstStyle/>
+          <a:p>
+            <a:r>
+              <a:rPr lang="ru-RU" dirty="0"/>
+              <a:t>Программа должна содержать математические расчеты, в основном связанные с игровой логикой.</a:t>
+            </a:r>
+            <a:br>
+              <a:rPr lang="ru-RU" dirty="0"/>
+            </a:br>
+            <a:endParaRPr lang="ru-RU" dirty="0"/>
+          </a:p>
+          <a:p>
+            <a:r>
+              <a:rPr lang="ru-RU" dirty="0"/>
+              <a:t>Реализовать графический интерфейс</a:t>
+            </a:r>
+          </a:p>
+          <a:p>
+            <a:pPr algn="just">
+              <a:buNone/>
+            </a:pPr>
+            <a:endParaRPr lang="ru-RU" dirty="0"/>
+          </a:p>
+        </p:txBody>
+      </p:sp>
+      <p:sp>
+        <p:nvSpPr>
+          <p:cNvPr id="4" name="Номер слайда 3"/>
+          <p:cNvSpPr>
+            <a:spLocks noGrp="1"/>
+          </p:cNvSpPr>
+          <p:nvPr>
+            <p:ph type="sldNum" sz="quarter" idx="12"/>
+          </p:nvPr>
+        </p:nvSpPr>
+        <p:spPr/>
+        <p:txBody>
+          <a:bodyPr/>
+          <a:lstStyle/>
+          <a:p>
+            <a:fld id="{26902790-3E08-4FEA-8771-743AE76A9645}" type="slidenum">
+              <a:rPr lang="ru-RU" smtClean="0"/>
+              <a:pPr/>
+              <a:t>4</a:t>
+            </a:fld>
+            <a:endParaRPr lang="ru-RU"/>
+          </a:p>
+        </p:txBody>
+      </p:sp>
+      <p:pic>
+        <p:nvPicPr>
+          <p:cNvPr id="5" name="Рисунок 4">
+            <a:extLst>
+              <a:ext uri="{FF2B5EF4-FFF2-40B4-BE49-F238E27FC236}">
+                <a16:creationId xmlns:a16="http://schemas.microsoft.com/office/drawing/2014/main" id="{6DADE5AB-ECBC-20EF-E54C-75FFB249FCC8}"/>
+              </a:ext>
+            </a:extLst>
+          </p:cNvPr>
+          <p:cNvPicPr>
+            <a:picLocks noChangeAspect="1"/>
+          </p:cNvPicPr>
+          <p:nvPr/>
+        </p:nvPicPr>
+        <p:blipFill>
+          <a:blip r:embed="rId2"/>
+          <a:stretch>
+            <a:fillRect/>
+          </a:stretch>
+        </p:blipFill>
+        <p:spPr>
+          <a:xfrm>
+            <a:off x="1149985" y="3821009"/>
+            <a:ext cx="3422015" cy="2564904"/>
+          </a:xfrm>
+          <a:prstGeom prst="rect">
+            <a:avLst/>
+          </a:prstGeom>
+        </p:spPr>
+      </p:pic>
+      <p:pic>
+        <p:nvPicPr>
+          <p:cNvPr id="6" name="Рисунок 5">
+            <a:extLst>
+              <a:ext uri="{FF2B5EF4-FFF2-40B4-BE49-F238E27FC236}">
+                <a16:creationId xmlns:a16="http://schemas.microsoft.com/office/drawing/2014/main" id="{261A45BC-7FE5-69BF-9DAB-8F0E379696DB}"/>
+              </a:ext>
+            </a:extLst>
+          </p:cNvPr>
+          <p:cNvPicPr>
+            <a:picLocks noChangeAspect="1"/>
+          </p:cNvPicPr>
+          <p:nvPr/>
+        </p:nvPicPr>
+        <p:blipFill>
+          <a:blip r:embed="rId3"/>
+          <a:stretch>
+            <a:fillRect/>
+          </a:stretch>
+        </p:blipFill>
+        <p:spPr>
+          <a:xfrm>
+            <a:off x="5217442" y="3913820"/>
+            <a:ext cx="3270578" cy="2655184"/>
+          </a:xfrm>
+          <a:prstGeom prst="rect">
+            <a:avLst/>
+          </a:prstGeom>
+        </p:spPr>
+      </p:pic>
+    </p:spTree>
+  </p:cSld>
+  <p:clrMapOvr>
+    <a:masterClrMapping/>
+  </p:clrMapOvr>
+  <p:transition>
+    <p:plus/>
+  </p:transition>
+</p:sld>
+</file>
+
+<file path=ppt/slides/slide5.xml><?xml version="1.0" encoding="utf-8"?>
+<p:sld xmlns:a="http://schemas.openxmlformats.org/drawingml/2006/main" xmlns:r="http://schemas.openxmlformats.org/officeDocument/2006/relationships" xmlns:p="http://schemas.openxmlformats.org/presentationml/2006/main">
+  <p:cSld>
+    <p:spTree>
+      <p:nvGrpSpPr>
+        <p:cNvPr id="1" name=""/>
+        <p:cNvGrpSpPr/>
+        <p:nvPr/>
+      </p:nvGrpSpPr>
+      <p:grpSpPr>
+        <a:xfrm>
+          <a:off x="0" y="0"/>
+          <a:ext cx="0" cy="0"/>
+          <a:chOff x="0" y="0"/>
+          <a:chExt cx="0" cy="0"/>
+        </a:xfrm>
+      </p:grpSpPr>
+      <p:sp>
+        <p:nvSpPr>
+          <p:cNvPr id="2" name="Заголовок 1"/>
+          <p:cNvSpPr>
+            <a:spLocks noGrp="1"/>
+          </p:cNvSpPr>
+          <p:nvPr>
+            <p:ph type="title"/>
+          </p:nvPr>
+        </p:nvSpPr>
+        <p:spPr>
+          <a:xfrm>
+            <a:off x="142844" y="428604"/>
+            <a:ext cx="8501122" cy="785818"/>
+          </a:xfrm>
+        </p:spPr>
+        <p:txBody>
+          <a:bodyPr>
+            <a:noAutofit/>
+          </a:bodyPr>
+          <a:lstStyle/>
+          <a:p>
+            <a:pPr algn="ctr"/>
+            <a:r>
+              <a:rPr lang="ru-RU" sz="4000" dirty="0">
+                <a:effectLst>
+                  <a:outerShdw blurRad="38100" dist="38100" dir="2700000" algn="tl">
+                    <a:srgbClr val="000000">
+                      <a:alpha val="43137"/>
+                    </a:srgbClr>
+                  </a:outerShdw>
+                </a:effectLst>
+                <a:latin typeface="Times New Roman" pitchFamily="18" charset="0"/>
+                <a:cs typeface="Times New Roman" pitchFamily="18" charset="0"/>
+              </a:rPr>
+              <a:t>Выбор средств реализации</a:t>
+            </a:r>
+            <a:endParaRPr lang="ru-RU" sz="4000" dirty="0">
+              <a:effectLst>
+                <a:outerShdw blurRad="38100" dist="38100" dir="2700000" algn="tl">
+                  <a:srgbClr val="000000">
+                    <a:alpha val="43137"/>
+                  </a:srgbClr>
+                </a:outerShdw>
+              </a:effectLst>
+            </a:endParaRPr>
+          </a:p>
+        </p:txBody>
+      </p:sp>
+      <p:pic>
+        <p:nvPicPr>
+          <p:cNvPr id="3" name="Рисунок 2">
+            <a:extLst>
+              <a:ext uri="{FF2B5EF4-FFF2-40B4-BE49-F238E27FC236}">
+                <a16:creationId xmlns:a16="http://schemas.microsoft.com/office/drawing/2014/main" id="{2DA256B0-0C49-DFFF-F007-234F6D8F9297}"/>
+              </a:ext>
+            </a:extLst>
+          </p:cNvPr>
+          <p:cNvPicPr>
+            <a:picLocks noChangeAspect="1"/>
+          </p:cNvPicPr>
+          <p:nvPr/>
+        </p:nvPicPr>
+        <p:blipFill>
+          <a:blip r:embed="rId2"/>
+          <a:stretch>
+            <a:fillRect/>
+          </a:stretch>
+        </p:blipFill>
+        <p:spPr>
+          <a:xfrm>
+            <a:off x="-972616" y="2276872"/>
+            <a:ext cx="5826131" cy="4014204"/>
+          </a:xfrm>
+          <a:prstGeom prst="rect">
+            <a:avLst/>
+          </a:prstGeom>
+        </p:spPr>
+      </p:pic>
+      <p:pic>
+        <p:nvPicPr>
+          <p:cNvPr id="4" name="Рисунок 3">
+            <a:extLst>
+              <a:ext uri="{FF2B5EF4-FFF2-40B4-BE49-F238E27FC236}">
+                <a16:creationId xmlns:a16="http://schemas.microsoft.com/office/drawing/2014/main" id="{A7068FB3-C4F2-5590-EE17-3573A4723E97}"/>
+              </a:ext>
+            </a:extLst>
+          </p:cNvPr>
+          <p:cNvPicPr>
+            <a:picLocks noChangeAspect="1"/>
+          </p:cNvPicPr>
+          <p:nvPr/>
+        </p:nvPicPr>
+        <p:blipFill rotWithShape="1">
+          <a:blip r:embed="rId3"/>
+          <a:srcRect t="1" r="4476" b="36"/>
+          <a:stretch/>
+        </p:blipFill>
+        <p:spPr>
+          <a:xfrm>
+            <a:off x="3563888" y="2780928"/>
+            <a:ext cx="5367166" cy="2808312"/>
+          </a:xfrm>
+          <a:prstGeom prst="rect">
+            <a:avLst/>
+          </a:prstGeom>
+        </p:spPr>
+      </p:pic>
+    </p:spTree>
+  </p:cSld>
+  <p:clrMapOvr>
+    <a:masterClrMapping/>
+  </p:clrMapOvr>
+  <p:transition>
+    <p:checker dir="vert"/>
+  </p:transition>
+</p:sld>
+</file>
+
+<file path=ppt/slides/slide6.xml><?xml version="1.0" encoding="utf-8"?>
+<p:sld xmlns:a="http://schemas.openxmlformats.org/drawingml/2006/main" xmlns:r="http://schemas.openxmlformats.org/officeDocument/2006/relationships" xmlns:p="http://schemas.openxmlformats.org/presentationml/2006/main">
+  <p:cSld>
+    <p:spTree>
+      <p:nvGrpSpPr>
+        <p:cNvPr id="1" name=""/>
+        <p:cNvGrpSpPr/>
+        <p:nvPr/>
+      </p:nvGrpSpPr>
+      <p:grpSpPr>
+        <a:xfrm>
+          <a:off x="0" y="0"/>
+          <a:ext cx="0" cy="0"/>
+          <a:chOff x="0" y="0"/>
+          <a:chExt cx="0" cy="0"/>
+        </a:xfrm>
+      </p:grpSpPr>
+      <p:sp>
+        <p:nvSpPr>
+          <p:cNvPr id="2" name="Заголовок 1"/>
+          <p:cNvSpPr>
+            <a:spLocks noGrp="1"/>
+          </p:cNvSpPr>
+          <p:nvPr>
+            <p:ph type="title"/>
+          </p:nvPr>
+        </p:nvSpPr>
+        <p:spPr>
+          <a:xfrm>
+            <a:off x="457200" y="476672"/>
+            <a:ext cx="8229600" cy="725470"/>
+          </a:xfrm>
+        </p:spPr>
+        <p:txBody>
+          <a:bodyPr>
+            <a:normAutofit/>
+          </a:bodyPr>
+          <a:lstStyle/>
+          <a:p>
+            <a:r>
+              <a:rPr lang="ru-RU" sz="4400" dirty="0">
+                <a:solidFill>
+                  <a:srgbClr val="FF0000"/>
+                </a:solidFill>
+                <a:effectLst>
+                  <a:outerShdw blurRad="38100" dist="38100" dir="2700000" algn="tl">
+                    <a:srgbClr val="000000">
+                      <a:alpha val="43137"/>
+                    </a:srgbClr>
+                  </a:outerShdw>
+                </a:effectLst>
+                <a:latin typeface="Times New Roman" pitchFamily="18" charset="0"/>
+                <a:cs typeface="Times New Roman" pitchFamily="18" charset="0"/>
+              </a:rPr>
+              <a:t>Демонстрация кода и его работы</a:t>
+            </a:r>
+            <a:endParaRPr lang="ru-RU" dirty="0">
+              <a:solidFill>
+                <a:srgbClr val="FF0000"/>
+              </a:solidFill>
+            </a:endParaRPr>
+          </a:p>
+        </p:txBody>
+      </p:sp>
+      <p:sp>
+        <p:nvSpPr>
+          <p:cNvPr id="4" name="Номер слайда 3"/>
+          <p:cNvSpPr>
+            <a:spLocks noGrp="1"/>
+          </p:cNvSpPr>
+          <p:nvPr>
+            <p:ph type="sldNum" sz="quarter" idx="12"/>
+          </p:nvPr>
+        </p:nvSpPr>
+        <p:spPr/>
+        <p:txBody>
+          <a:bodyPr/>
+          <a:lstStyle/>
+          <a:p>
+            <a:fld id="{26902790-3E08-4FEA-8771-743AE76A9645}" type="slidenum">
+              <a:rPr lang="ru-RU" smtClean="0"/>
+              <a:pPr/>
+              <a:t>6</a:t>
+            </a:fld>
+            <a:endParaRPr lang="ru-RU"/>
+          </a:p>
+        </p:txBody>
+      </p:sp>
+      <p:pic>
+        <p:nvPicPr>
+          <p:cNvPr id="8" name="WJCs">
+            <a:hlinkClick r:id="" action="ppaction://media"/>
+            <a:extLst>
+              <a:ext uri="{FF2B5EF4-FFF2-40B4-BE49-F238E27FC236}">
+                <a16:creationId xmlns:a16="http://schemas.microsoft.com/office/drawing/2014/main" id="{31C5C5E0-A97A-1804-2F57-27912B5E3D59}"/>
+              </a:ext>
+            </a:extLst>
+          </p:cNvPr>
+          <p:cNvPicPr>
+            <a:picLocks noGrp="1" noChangeAspect="1"/>
+          </p:cNvPicPr>
+          <p:nvPr>
+            <p:ph idx="1"/>
+            <a:videoFile r:link="rId2"/>
+            <p:extLst>
+              <p:ext uri="{DAA4B4D4-6D71-4841-9C94-3DE7FCFB9230}">
+                <p14:media xmlns:p14="http://schemas.microsoft.com/office/powerpoint/2010/main" r:embed="rId1"/>
+              </p:ext>
+            </p:extLst>
+          </p:nvPr>
+        </p:nvPicPr>
+        <p:blipFill>
+          <a:blip r:embed="rId4"/>
+          <a:stretch>
+            <a:fillRect/>
+          </a:stretch>
+        </p:blipFill>
+        <p:spPr>
+          <a:xfrm>
+            <a:off x="107504" y="1225153"/>
+            <a:ext cx="9036496" cy="5632847"/>
+          </a:xfrm>
+        </p:spPr>
+      </p:pic>
+      <p:sp>
+        <p:nvSpPr>
+          <p:cNvPr id="7" name="AutoShape 2" descr="Picture background">
+            <a:extLst>
+              <a:ext uri="{FF2B5EF4-FFF2-40B4-BE49-F238E27FC236}">
+                <a16:creationId xmlns:a16="http://schemas.microsoft.com/office/drawing/2014/main" id="{06B3F766-D24F-93BE-C601-58D245B1744B}"/>
+              </a:ext>
+            </a:extLst>
+          </p:cNvPr>
+          <p:cNvSpPr>
+            <a:spLocks noChangeAspect="1" noChangeArrowheads="1"/>
+          </p:cNvSpPr>
+          <p:nvPr/>
+        </p:nvSpPr>
+        <p:spPr bwMode="auto">
+          <a:xfrm>
+            <a:off x="4419600" y="3276600"/>
+            <a:ext cx="304800" cy="304800"/>
+          </a:xfrm>
+          <a:prstGeom prst="rect">
+            <a:avLst/>
+          </a:prstGeom>
+          <a:noFill/>
+          <a:extLst>
+            <a:ext uri="{909E8E84-426E-40DD-AFC4-6F175D3DCCD1}">
+              <a14:hiddenFill xmlns:a14="http://schemas.microsoft.com/office/drawing/2010/main">
+                <a:solidFill>
+                  <a:srgbClr val="FFFFFF"/>
+                </a:solidFill>
+              </a14:hiddenFill>
+            </a:ext>
+          </a:extLst>
+        </p:spPr>
+        <p:txBody>
+          <a:bodyPr vert="horz" wrap="square" lIns="91440" tIns="45720" rIns="91440" bIns="45720" numCol="1" anchor="t" anchorCtr="0" compatLnSpc="1">
+            <a:prstTxWarp prst="textNoShape">
+              <a:avLst/>
+            </a:prstTxWarp>
+          </a:bodyPr>
+          <a:lstStyle/>
+          <a:p>
+            <a:endParaRPr lang="ru-RU"/>
+          </a:p>
+        </p:txBody>
+      </p:sp>
+    </p:spTree>
+  </p:cSld>
+  <p:clrMapOvr>
+    <a:masterClrMapping/>
+  </p:clrMapOvr>
+  <p:timing>
+    <p:tnLst>
+      <p:par>
+        <p:cTn id="1" dur="indefinite" restart="never" nodeType="tmRoot">
+          <p:childTnLst>
+            <p:seq concurrent="1" nextAc="seek">
+              <p:cTn id="2" dur="indefinite" nodeType="mainSeq">
+                <p:childTnLst>
+                  <p:par>
+                    <p:cTn id="3" fill="hold">
+                      <p:stCondLst>
+                        <p:cond delay="indefinite"/>
+                      </p:stCondLst>
+                      <p:childTnLst>
+                        <p:par>
+                          <p:cTn id="4" fill="hold">
+                            <p:stCondLst>
+                              <p:cond delay="0"/>
+                            </p:stCondLst>
+                            <p:childTnLst>
+                              <p:par>
+                                <p:cTn id="5" presetID="1" presetClass="mediacall" presetSubtype="0" fill="hold" nodeType="clickEffect">
+                                  <p:stCondLst>
+                                    <p:cond delay="0"/>
+                                  </p:stCondLst>
+                                  <p:childTnLst>
+                                    <p:cmd type="call" cmd="playFrom(0.0)">
+                                      <p:cBhvr>
+                                        <p:cTn id="6" dur="4680" fill="hold"/>
+                                        <p:tgtEl>
+                                          <p:spTgt spid="8"/>
+                                        </p:tgtEl>
+                                      </p:cBhvr>
+                                    </p:cmd>
+                                  </p:childTnLst>
+                                </p:cTn>
+                              </p:par>
+                            </p:childTnLst>
+                          </p:cTn>
+                        </p:par>
+                      </p:childTnLst>
+                    </p:cTn>
+                  </p:par>
+                </p:childTnLst>
+              </p:cTn>
+              <p:prevCondLst>
+                <p:cond evt="onPrev" delay="0">
+                  <p:tgtEl>
+                    <p:sldTgt/>
+                  </p:tgtEl>
+                </p:cond>
+              </p:prevCondLst>
+              <p:nextCondLst>
+                <p:cond evt="onNext" delay="0">
+                  <p:tgtEl>
+                    <p:sldTgt/>
+                  </p:tgtEl>
+                </p:cond>
+              </p:nextCondLst>
+            </p:seq>
+            <p:video>
+              <p:cMediaNode vol="80000">
+                <p:cTn id="7" fill="hold" display="0">
+                  <p:stCondLst>
+                    <p:cond delay="indefinite"/>
+                  </p:stCondLst>
+                </p:cTn>
+                <p:tgtEl>
+                  <p:spTgt spid="8"/>
+                </p:tgtEl>
+              </p:cMediaNode>
+            </p:video>
+            <p:seq concurrent="1" nextAc="seek">
+              <p:cTn id="8" restart="whenNotActive" fill="hold" evtFilter="cancelBubble" nodeType="interactiveSeq">
+                <p:stCondLst>
+                  <p:cond evt="onClick" delay="0">
+                    <p:tgtEl>
+                      <p:spTgt spid="8"/>
+                    </p:tgtEl>
+                  </p:cond>
+                </p:stCondLst>
+                <p:endSync evt="end" delay="0">
+                  <p:rtn val="all"/>
+                </p:endSync>
+                <p:childTnLst>
+                  <p:par>
+                    <p:cTn id="9" fill="hold">
+                      <p:stCondLst>
+                        <p:cond delay="0"/>
+                      </p:stCondLst>
+                      <p:childTnLst>
+                        <p:par>
+                          <p:cTn id="10" fill="hold">
+                            <p:stCondLst>
+                              <p:cond delay="0"/>
+                            </p:stCondLst>
+                            <p:childTnLst>
+                              <p:par>
+                                <p:cTn id="11" presetID="2" presetClass="mediacall" presetSubtype="0" fill="hold" nodeType="clickEffect">
+                                  <p:stCondLst>
+                                    <p:cond delay="0"/>
+                                  </p:stCondLst>
+                                  <p:childTnLst>
+                                    <p:cmd type="call" cmd="togglePause">
+                                      <p:cBhvr>
+                                        <p:cTn id="12" dur="1" fill="hold"/>
+                                        <p:tgtEl>
+                                          <p:spTgt spid="8"/>
+                                        </p:tgtEl>
+                                      </p:cBhvr>
+                                    </p:cmd>
+                                  </p:childTnLst>
+                                </p:cTn>
+                              </p:par>
+                            </p:childTnLst>
+                          </p:cTn>
+                        </p:par>
+                      </p:childTnLst>
+                    </p:cTn>
+                  </p:par>
+                </p:childTnLst>
+              </p:cTn>
+              <p:nextCondLst>
+                <p:cond evt="onClick" delay="0">
+                  <p:tgtEl>
+                    <p:spTgt spid="8"/>
+                  </p:tgtEl>
+                </p:cond>
+              </p:nextCondLst>
+            </p:seq>
+          </p:childTnLst>
+        </p:cTn>
+      </p:par>
+    </p:tnLst>
+  </p:timing>
+</p:sld>
+</file>
+
+<file path=ppt/slides/slide7.xml><?xml version="1.0" encoding="utf-8"?>
+<p:sld xmlns:a="http://schemas.openxmlformats.org/drawingml/2006/main" xmlns:r="http://schemas.openxmlformats.org/officeDocument/2006/relationships" xmlns:p="http://schemas.openxmlformats.org/presentationml/2006/main">
+  <p:cSld>
+    <p:spTree>
+      <p:nvGrpSpPr>
+        <p:cNvPr id="1" name=""/>
+        <p:cNvGrpSpPr/>
+        <p:nvPr/>
+      </p:nvGrpSpPr>
+      <p:grpSpPr>
+        <a:xfrm>
+          <a:off x="0" y="0"/>
+          <a:ext cx="0" cy="0"/>
+          <a:chOff x="0" y="0"/>
+          <a:chExt cx="0" cy="0"/>
+        </a:xfrm>
+      </p:grpSpPr>
+      <p:sp>
+        <p:nvSpPr>
+          <p:cNvPr id="6" name="Прямоугольник 5">
+            <a:extLst>
+              <a:ext uri="{FF2B5EF4-FFF2-40B4-BE49-F238E27FC236}">
+                <a16:creationId xmlns:a16="http://schemas.microsoft.com/office/drawing/2014/main" id="{18B35C84-9B59-373F-AFFB-74EE4698184C}"/>
+              </a:ext>
+            </a:extLst>
+          </p:cNvPr>
+          <p:cNvSpPr/>
+          <p:nvPr/>
+        </p:nvSpPr>
+        <p:spPr>
+          <a:xfrm>
+            <a:off x="0" y="-99392"/>
+            <a:ext cx="9144000" cy="7056784"/>
+          </a:xfrm>
+          <a:prstGeom prst="rect">
+            <a:avLst/>
+          </a:prstGeom>
+          <a:solidFill>
+            <a:schemeClr val="tx1"/>
+          </a:solidFill>
+          <a:ln>
+            <a:solidFill>
+              <a:schemeClr val="tx1"/>
+            </a:solidFill>
+          </a:ln>
+        </p:spPr>
+        <p:style>
+          <a:lnRef idx="2">
+            <a:schemeClr val="accent1">
+              <a:shade val="15000"/>
+            </a:schemeClr>
+          </a:lnRef>
+          <a:fillRef idx="1">
+            <a:schemeClr val="accent1"/>
+          </a:fillRef>
+          <a:effectRef idx="0">
+            <a:schemeClr val="accent1"/>
+          </a:effectRef>
+          <a:fontRef idx="minor">
+            <a:schemeClr val="lt1"/>
+          </a:fontRef>
+        </p:style>
+        <p:txBody>
+          <a:bodyPr rtlCol="0" anchor="ctr"/>
+          <a:lstStyle/>
+          <a:p>
+            <a:pPr algn="ctr"/>
+            <a:endParaRPr lang="ru-RU"/>
+          </a:p>
+        </p:txBody>
+      </p:sp>
+      <p:sp>
+        <p:nvSpPr>
+          <p:cNvPr id="4" name="Номер слайда 3"/>
+          <p:cNvSpPr>
+            <a:spLocks noGrp="1"/>
+          </p:cNvSpPr>
+          <p:nvPr>
+            <p:ph type="sldNum" sz="quarter" idx="12"/>
+          </p:nvPr>
+        </p:nvSpPr>
+        <p:spPr/>
+        <p:txBody>
+          <a:bodyPr/>
+          <a:lstStyle/>
+          <a:p>
+            <a:fld id="{26902790-3E08-4FEA-8771-743AE76A9645}" type="slidenum">
+              <a:rPr lang="ru-RU" smtClean="0"/>
+              <a:pPr/>
+              <a:t>7</a:t>
+            </a:fld>
+            <a:endParaRPr lang="ru-RU"/>
+          </a:p>
+        </p:txBody>
+      </p:sp>
+      <p:sp>
+        <p:nvSpPr>
+          <p:cNvPr id="5" name="Объект 4">
+            <a:extLst>
+              <a:ext uri="{FF2B5EF4-FFF2-40B4-BE49-F238E27FC236}">
+                <a16:creationId xmlns:a16="http://schemas.microsoft.com/office/drawing/2014/main" id="{785A4DE9-C223-FC55-0E64-4228F68863D9}"/>
+              </a:ext>
+            </a:extLst>
+          </p:cNvPr>
+          <p:cNvSpPr>
+            <a:spLocks noGrp="1"/>
+          </p:cNvSpPr>
+          <p:nvPr>
+            <p:ph idx="1"/>
+          </p:nvPr>
+        </p:nvSpPr>
+        <p:spPr/>
+        <p:txBody>
+          <a:bodyPr/>
+          <a:lstStyle/>
+          <a:p>
+            <a:endParaRPr lang="ru-RU"/>
+          </a:p>
+        </p:txBody>
+      </p:sp>
+      <p:pic>
+        <p:nvPicPr>
+          <p:cNvPr id="4098" name="Picture 2" descr="Я создал шаблон в стиле EVA для своей презентации экономического класса, вчера я забыл удалить свою личную информацию и содержимое, поэтому я удалил некоторые части и загрузил их заново: r /evangelion">
+            <a:extLst>
+              <a:ext uri="{FF2B5EF4-FFF2-40B4-BE49-F238E27FC236}">
+                <a16:creationId xmlns:a16="http://schemas.microsoft.com/office/drawing/2014/main" id="{DBFAB624-A33E-1F71-3D50-30774435366A}"/>
+              </a:ext>
+            </a:extLst>
+          </p:cNvPr>
+          <p:cNvPicPr>
+            <a:picLocks noChangeAspect="1" noChangeArrowheads="1"/>
+          </p:cNvPicPr>
+          <p:nvPr/>
+        </p:nvPicPr>
+        <p:blipFill>
+          <a:blip r:embed="rId2">
+            <a:extLst>
+              <a:ext uri="{28A0092B-C50C-407E-A947-70E740481C1C}">
+                <a14:useLocalDpi xmlns:a14="http://schemas.microsoft.com/office/drawing/2010/main" val="0"/>
+              </a:ext>
+            </a:extLst>
+          </a:blip>
+          <a:srcRect/>
+          <a:stretch>
+            <a:fillRect/>
+          </a:stretch>
+        </p:blipFill>
+        <p:spPr bwMode="auto">
+          <a:xfrm>
+            <a:off x="0" y="836712"/>
+            <a:ext cx="9144000" cy="5143500"/>
+          </a:xfrm>
+          <a:prstGeom prst="rect">
+            <a:avLst/>
+          </a:prstGeom>
+          <a:noFill/>
+          <a:extLst>
+            <a:ext uri="{909E8E84-426E-40DD-AFC4-6F175D3DCCD1}">
+              <a14:hiddenFill xmlns:a14="http://schemas.microsoft.com/office/drawing/2010/main">
+                <a:solidFill>
+                  <a:srgbClr val="FFFFFF"/>
+                </a:solidFill>
+              </a14:hiddenFill>
+            </a:ext>
+          </a:extLst>
+        </p:spPr>
+      </p:pic>
+      <p:sp>
+        <p:nvSpPr>
+          <p:cNvPr id="7" name="Прямоугольник 6">
+            <a:extLst>
+              <a:ext uri="{FF2B5EF4-FFF2-40B4-BE49-F238E27FC236}">
+                <a16:creationId xmlns:a16="http://schemas.microsoft.com/office/drawing/2014/main" id="{D7CA9BAD-1598-705C-558E-FFF22C83106A}"/>
+              </a:ext>
+            </a:extLst>
+          </p:cNvPr>
+          <p:cNvSpPr/>
+          <p:nvPr/>
+        </p:nvSpPr>
+        <p:spPr>
+          <a:xfrm>
+            <a:off x="1691680" y="4149080"/>
+            <a:ext cx="792088" cy="576064"/>
+          </a:xfrm>
+          <a:prstGeom prst="rect">
+            <a:avLst/>
+          </a:prstGeom>
+          <a:solidFill>
+            <a:schemeClr val="tx1"/>
+          </a:solidFill>
+          <a:ln>
+            <a:solidFill>
+              <a:schemeClr val="tx1"/>
+            </a:solidFill>
+          </a:ln>
+        </p:spPr>
+        <p:style>
+          <a:lnRef idx="2">
+            <a:schemeClr val="accent1">
+              <a:shade val="15000"/>
+            </a:schemeClr>
+          </a:lnRef>
+          <a:fillRef idx="1">
+            <a:schemeClr val="accent1"/>
+          </a:fillRef>
+          <a:effectRef idx="0">
+            <a:schemeClr val="accent1"/>
+          </a:effectRef>
+          <a:fontRef idx="minor">
+            <a:schemeClr val="lt1"/>
+          </a:fontRef>
+        </p:style>
+        <p:txBody>
+          <a:bodyPr rtlCol="0" anchor="ctr"/>
+          <a:lstStyle/>
+          <a:p>
+            <a:pPr algn="ctr"/>
+            <a:r>
+              <a:rPr lang="en-US" sz="3600" dirty="0">
+                <a:latin typeface="Bernard MT Condensed" panose="02050806060905020404" pitchFamily="18" charset="0"/>
+              </a:rPr>
+              <a:t>7</a:t>
+            </a:r>
+            <a:endParaRPr lang="ru-RU" sz="3600" dirty="0"/>
+          </a:p>
+        </p:txBody>
+      </p:sp>
+    </p:spTree>
+  </p:cSld>
+  <p:clrMapOvr>
+    <a:masterClrMapping/>
+  </p:clrMapOvr>
+  <p:transition>
+    <p:newsflash/>
+  </p:transition>
 </p:sld>
 </file>
 
@@ -3677,4 +5693,287 @@
     </a:ext>
   </a:extLst>
 </a:theme>
+</file>
+
+<file path=ppt/theme/theme2.xml><?xml version="1.0" encoding="utf-8"?>
+<a:theme xmlns:a="http://schemas.openxmlformats.org/drawingml/2006/main" name="Тема Office">
+  <a:themeElements>
+    <a:clrScheme name="Стандартная">
+      <a:dk1>
+        <a:sysClr val="windowText" lastClr="000000"/>
+      </a:dk1>
+      <a:lt1>
+        <a:sysClr val="window" lastClr="FFFFFF"/>
+      </a:lt1>
+      <a:dk2>
+        <a:srgbClr val="1F497D"/>
+      </a:dk2>
+      <a:lt2>
+        <a:srgbClr val="EEECE1"/>
+      </a:lt2>
+      <a:accent1>
+        <a:srgbClr val="4F81BD"/>
+      </a:accent1>
+      <a:accent2>
+        <a:srgbClr val="C0504D"/>
+      </a:accent2>
+      <a:accent3>
+        <a:srgbClr val="9BBB59"/>
+      </a:accent3>
+      <a:accent4>
+        <a:srgbClr val="8064A2"/>
+      </a:accent4>
+      <a:accent5>
+        <a:srgbClr val="4BACC6"/>
+      </a:accent5>
+      <a:accent6>
+        <a:srgbClr val="F79646"/>
+      </a:accent6>
+      <a:hlink>
+        <a:srgbClr val="0000FF"/>
+      </a:hlink>
+      <a:folHlink>
+        <a:srgbClr val="800080"/>
+      </a:folHlink>
+    </a:clrScheme>
+    <a:fontScheme name="Стандартная">
+      <a:majorFont>
+        <a:latin typeface="Calibri"/>
+        <a:ea typeface=""/>
+        <a:cs typeface=""/>
+        <a:font script="Jpan" typeface="ＭＳ Ｐゴシック"/>
+        <a:font script="Hang" typeface="맑은 고딕"/>
+        <a:font script="Hans" typeface="宋体"/>
+        <a:font script="Hant" typeface="新細明體"/>
+        <a:font script="Arab" typeface="Times New Roman"/>
+        <a:font script="Hebr" typeface="Times New Roman"/>
+        <a:font script="Thai" typeface="Angsana New"/>
+        <a:font script="Ethi" typeface="Nyala"/>
+        <a:font script="Beng" typeface="Vrinda"/>
+        <a:font script="Gujr" typeface="Shruti"/>
+        <a:font script="Khmr" typeface="MoolBoran"/>
+        <a:font script="Knda" typeface="Tunga"/>
+        <a:font script="Guru" typeface="Raavi"/>
+        <a:font script="Cans" typeface="Euphemia"/>
+        <a:font script="Cher" typeface="Plantagenet Cherokee"/>
+        <a:font script="Yiii" typeface="Microsoft Yi Baiti"/>
+        <a:font script="Tibt" typeface="Microsoft Himalaya"/>
+        <a:font script="Thaa" typeface="MV Boli"/>
+        <a:font script="Deva" typeface="Mangal"/>
+        <a:font script="Telu" typeface="Gautami"/>
+        <a:font script="Taml" typeface="Latha"/>
+        <a:font script="Syrc" typeface="Estrangelo Edessa"/>
+        <a:font script="Orya" typeface="Kalinga"/>
+        <a:font script="Mlym" typeface="Kartika"/>
+        <a:font script="Laoo" typeface="DokChampa"/>
+        <a:font script="Sinh" typeface="Iskoola Pota"/>
+        <a:font script="Mong" typeface="Mongolian Baiti"/>
+        <a:font script="Viet" typeface="Times New Roman"/>
+        <a:font script="Uigh" typeface="Microsoft Uighur"/>
+      </a:majorFont>
+      <a:minorFont>
+        <a:latin typeface="Calibri"/>
+        <a:ea typeface=""/>
+        <a:cs typeface=""/>
+        <a:font script="Jpan" typeface="ＭＳ Ｐゴシック"/>
+        <a:font script="Hang" typeface="맑은 고딕"/>
+        <a:font script="Hans" typeface="宋体"/>
+        <a:font script="Hant" typeface="新細明體"/>
+        <a:font script="Arab" typeface="Arial"/>
+        <a:font script="Hebr" typeface="Arial"/>
+        <a:font script="Thai" typeface="Cordia New"/>
+        <a:font script="Ethi" typeface="Nyala"/>
+        <a:font script="Beng" typeface="Vrinda"/>
+        <a:font script="Gujr" typeface="Shruti"/>
+        <a:font script="Khmr" typeface="DaunPenh"/>
+        <a:font script="Knda" typeface="Tunga"/>
+        <a:font script="Guru" typeface="Raavi"/>
+        <a:font script="Cans" typeface="Euphemia"/>
+        <a:font script="Cher" typeface="Plantagenet Cherokee"/>
+        <a:font script="Yiii" typeface="Microsoft Yi Baiti"/>
+        <a:font script="Tibt" typeface="Microsoft Himalaya"/>
+        <a:font script="Thaa" typeface="MV Boli"/>
+        <a:font script="Deva" typeface="Mangal"/>
+        <a:font script="Telu" typeface="Gautami"/>
+        <a:font script="Taml" typeface="Latha"/>
+        <a:font script="Syrc" typeface="Estrangelo Edessa"/>
+        <a:font script="Orya" typeface="Kalinga"/>
+        <a:font script="Mlym" typeface="Kartika"/>
+        <a:font script="Laoo" typeface="DokChampa"/>
+        <a:font script="Sinh" typeface="Iskoola Pota"/>
+        <a:font script="Mong" typeface="Mongolian Baiti"/>
+        <a:font script="Viet" typeface="Arial"/>
+        <a:font script="Uigh" typeface="Microsoft Uighur"/>
+      </a:minorFont>
+    </a:fontScheme>
+    <a:fmtScheme name="Стандартная">
+      <a:fillStyleLst>
+        <a:solidFill>
+          <a:schemeClr val="phClr"/>
+        </a:solidFill>
+        <a:gradFill rotWithShape="1">
+          <a:gsLst>
+            <a:gs pos="0">
+              <a:schemeClr val="phClr">
+                <a:tint val="50000"/>
+                <a:satMod val="300000"/>
+              </a:schemeClr>
+            </a:gs>
+            <a:gs pos="35000">
+              <a:schemeClr val="phClr">
+                <a:tint val="37000"/>
+                <a:satMod val="300000"/>
+              </a:schemeClr>
+            </a:gs>
+            <a:gs pos="100000">
+              <a:schemeClr val="phClr">
+                <a:tint val="15000"/>
+                <a:satMod val="350000"/>
+              </a:schemeClr>
+            </a:gs>
+          </a:gsLst>
+          <a:lin ang="16200000" scaled="1"/>
+        </a:gradFill>
+        <a:gradFill rotWithShape="1">
+          <a:gsLst>
+            <a:gs pos="0">
+              <a:schemeClr val="phClr">
+                <a:shade val="51000"/>
+                <a:satMod val="130000"/>
+              </a:schemeClr>
+            </a:gs>
+            <a:gs pos="80000">
+              <a:schemeClr val="phClr">
+                <a:shade val="93000"/>
+                <a:satMod val="130000"/>
+              </a:schemeClr>
+            </a:gs>
+            <a:gs pos="100000">
+              <a:schemeClr val="phClr">
+                <a:shade val="94000"/>
+                <a:satMod val="135000"/>
+              </a:schemeClr>
+            </a:gs>
+          </a:gsLst>
+          <a:lin ang="16200000" scaled="0"/>
+        </a:gradFill>
+      </a:fillStyleLst>
+      <a:lnStyleLst>
+        <a:ln w="9525" cap="flat" cmpd="sng" algn="ctr">
+          <a:solidFill>
+            <a:schemeClr val="phClr">
+              <a:shade val="95000"/>
+              <a:satMod val="105000"/>
+            </a:schemeClr>
+          </a:solidFill>
+          <a:prstDash val="solid"/>
+        </a:ln>
+        <a:ln w="25400" cap="flat" cmpd="sng" algn="ctr">
+          <a:solidFill>
+            <a:schemeClr val="phClr"/>
+          </a:solidFill>
+          <a:prstDash val="solid"/>
+        </a:ln>
+        <a:ln w="38100" cap="flat" cmpd="sng" algn="ctr">
+          <a:solidFill>
+            <a:schemeClr val="phClr"/>
+          </a:solidFill>
+          <a:prstDash val="solid"/>
+        </a:ln>
+      </a:lnStyleLst>
+      <a:effectStyleLst>
+        <a:effectStyle>
+          <a:effectLst>
+            <a:outerShdw blurRad="40000" dist="20000" dir="5400000" rotWithShape="0">
+              <a:srgbClr val="000000">
+                <a:alpha val="38000"/>
+              </a:srgbClr>
+            </a:outerShdw>
+          </a:effectLst>
+        </a:effectStyle>
+        <a:effectStyle>
+          <a:effectLst>
+            <a:outerShdw blurRad="40000" dist="23000" dir="5400000" rotWithShape="0">
+              <a:srgbClr val="000000">
+                <a:alpha val="35000"/>
+              </a:srgbClr>
+            </a:outerShdw>
+          </a:effectLst>
+        </a:effectStyle>
+        <a:effectStyle>
+          <a:effectLst>
+            <a:outerShdw blurRad="40000" dist="23000" dir="5400000" rotWithShape="0">
+              <a:srgbClr val="000000">
+                <a:alpha val="35000"/>
+              </a:srgbClr>
+            </a:outerShdw>
+          </a:effectLst>
+          <a:scene3d>
+            <a:camera prst="orthographicFront">
+              <a:rot lat="0" lon="0" rev="0"/>
+            </a:camera>
+            <a:lightRig rig="threePt" dir="t">
+              <a:rot lat="0" lon="0" rev="1200000"/>
+            </a:lightRig>
+          </a:scene3d>
+          <a:sp3d>
+            <a:bevelT w="63500" h="25400"/>
+          </a:sp3d>
+        </a:effectStyle>
+      </a:effectStyleLst>
+      <a:bgFillStyleLst>
+        <a:solidFill>
+          <a:schemeClr val="phClr"/>
+        </a:solidFill>
+        <a:gradFill rotWithShape="1">
+          <a:gsLst>
+            <a:gs pos="0">
+              <a:schemeClr val="phClr">
+                <a:tint val="40000"/>
+                <a:satMod val="350000"/>
+              </a:schemeClr>
+            </a:gs>
+            <a:gs pos="40000">
+              <a:schemeClr val="phClr">
+                <a:tint val="45000"/>
+                <a:shade val="99000"/>
+                <a:satMod val="350000"/>
+              </a:schemeClr>
+            </a:gs>
+            <a:gs pos="100000">
+              <a:schemeClr val="phClr">
+                <a:shade val="20000"/>
+                <a:satMod val="255000"/>
+              </a:schemeClr>
+            </a:gs>
+          </a:gsLst>
+          <a:path path="circle">
+            <a:fillToRect l="50000" t="-80000" r="50000" b="180000"/>
+          </a:path>
+        </a:gradFill>
+        <a:gradFill rotWithShape="1">
+          <a:gsLst>
+            <a:gs pos="0">
+              <a:schemeClr val="phClr">
+                <a:tint val="80000"/>
+                <a:satMod val="300000"/>
+              </a:schemeClr>
+            </a:gs>
+            <a:gs pos="100000">
+              <a:schemeClr val="phClr">
+                <a:shade val="30000"/>
+                <a:satMod val="200000"/>
+              </a:schemeClr>
+            </a:gs>
+          </a:gsLst>
+          <a:path path="circle">
+            <a:fillToRect l="50000" t="50000" r="50000" b="50000"/>
+          </a:path>
+        </a:gradFill>
+      </a:bgFillStyleLst>
+    </a:fmtScheme>
+  </a:themeElements>
+  <a:objectDefaults/>
+  <a:extraClrSchemeLst/>
+</a:theme>
 </file>